--- a/lessons/class2/Class2B_Preprocessing_TF.pptx
+++ b/lessons/class2/Class2B_Preprocessing_TF.pptx
@@ -5,7 +5,7 @@
     <p:sldMasterId id="2147483660" r:id="rId1"/>
   </p:sldMasterIdLst>
   <p:notesMasterIdLst>
-    <p:notesMasterId r:id="rId23"/>
+    <p:notesMasterId r:id="rId22"/>
   </p:notesMasterIdLst>
   <p:sldIdLst>
     <p:sldId id="665" r:id="rId2"/>
@@ -16,19 +16,18 @@
     <p:sldId id="722" r:id="rId7"/>
     <p:sldId id="741" r:id="rId8"/>
     <p:sldId id="723" r:id="rId9"/>
-    <p:sldId id="669" r:id="rId10"/>
-    <p:sldId id="724" r:id="rId11"/>
-    <p:sldId id="725" r:id="rId12"/>
-    <p:sldId id="671" r:id="rId13"/>
-    <p:sldId id="726" r:id="rId14"/>
-    <p:sldId id="727" r:id="rId15"/>
-    <p:sldId id="673" r:id="rId16"/>
-    <p:sldId id="728" r:id="rId17"/>
-    <p:sldId id="729" r:id="rId18"/>
+    <p:sldId id="724" r:id="rId10"/>
+    <p:sldId id="725" r:id="rId11"/>
+    <p:sldId id="671" r:id="rId12"/>
+    <p:sldId id="726" r:id="rId13"/>
+    <p:sldId id="727" r:id="rId14"/>
+    <p:sldId id="673" r:id="rId15"/>
+    <p:sldId id="728" r:id="rId16"/>
+    <p:sldId id="729" r:id="rId17"/>
+    <p:sldId id="740" r:id="rId18"/>
     <p:sldId id="677" r:id="rId19"/>
     <p:sldId id="678" r:id="rId20"/>
-    <p:sldId id="740" r:id="rId21"/>
-    <p:sldId id="733" r:id="rId22"/>
+    <p:sldId id="733" r:id="rId21"/>
   </p:sldIdLst>
   <p:sldSz cx="9144000" cy="6858000" type="screen4x3"/>
   <p:notesSz cx="6858000" cy="9144000"/>
@@ -234,7 +233,7 @@
           <a:p>
             <a:fld id="{B0C0A60C-850A-4EA4-9C14-A8FE98B94505}" type="datetimeFigureOut">
               <a:rPr lang="en-US" smtClean="0"/>
-              <a:t>10/10/21</a:t>
+              <a:t>1/18/22</a:t>
             </a:fld>
             <a:endParaRPr lang="en-US"/>
           </a:p>
@@ -633,7 +632,7 @@
           <a:p>
             <a:fld id="{5738B90E-0779-4C36-915C-6F05FCD89456}" type="datetime1">
               <a:rPr lang="en-US" smtClean="0"/>
-              <a:t>10/10/21</a:t>
+              <a:t>1/18/22</a:t>
             </a:fld>
             <a:endParaRPr lang="en-US"/>
           </a:p>
@@ -813,7 +812,7 @@
           <a:p>
             <a:fld id="{7B9EA29D-D431-42FE-B7B6-AAE4454C77D3}" type="datetime1">
               <a:rPr lang="en-US" smtClean="0"/>
-              <a:t>10/10/21</a:t>
+              <a:t>1/18/22</a:t>
             </a:fld>
             <a:endParaRPr lang="en-US"/>
           </a:p>
@@ -1070,7 +1069,7 @@
           <a:p>
             <a:fld id="{690D8A1E-EA8F-46C1-B891-AE0C00D9C314}" type="datetime1">
               <a:rPr lang="en-US" smtClean="0"/>
-              <a:t>10/10/21</a:t>
+              <a:t>1/18/22</a:t>
             </a:fld>
             <a:endParaRPr lang="en-US"/>
           </a:p>
@@ -1361,7 +1360,7 @@
           <a:p>
             <a:fld id="{D753EFC8-4232-4598-94F6-94C0EBAFC469}" type="datetime1">
               <a:rPr lang="en-US" smtClean="0"/>
-              <a:t>10/10/21</a:t>
+              <a:t>1/18/22</a:t>
             </a:fld>
             <a:endParaRPr lang="en-US"/>
           </a:p>
@@ -1673,7 +1672,7 @@
           <a:p>
             <a:fld id="{F3161074-1C18-4AE7-957D-F18524378C85}" type="datetime1">
               <a:rPr lang="en-US" smtClean="0"/>
-              <a:t>10/10/21</a:t>
+              <a:t>1/18/22</a:t>
             </a:fld>
             <a:endParaRPr lang="en-US"/>
           </a:p>
@@ -1909,7 +1908,7 @@
           <a:p>
             <a:fld id="{69BE256C-8D9A-4404-B47D-41A1AE514425}" type="datetime1">
               <a:rPr lang="en-US" smtClean="0"/>
-              <a:t>10/10/21</a:t>
+              <a:t>1/18/22</a:t>
             </a:fld>
             <a:endParaRPr lang="en-US"/>
           </a:p>
@@ -2340,7 +2339,7 @@
           <a:p>
             <a:fld id="{66CB2154-9035-4012-8189-BAAB61C5A5EE}" type="datetime1">
               <a:rPr lang="en-US" smtClean="0"/>
-              <a:t>10/10/21</a:t>
+              <a:t>1/18/22</a:t>
             </a:fld>
             <a:endParaRPr lang="en-US"/>
           </a:p>
@@ -2511,7 +2510,7 @@
           <a:p>
             <a:fld id="{6700A58B-DD98-43D0-B791-721480A02982}" type="datetime1">
               <a:rPr lang="en-US" smtClean="0"/>
-              <a:t>10/10/21</a:t>
+              <a:t>1/18/22</a:t>
             </a:fld>
             <a:endParaRPr lang="en-US"/>
           </a:p>
@@ -2700,7 +2699,7 @@
           <a:p>
             <a:fld id="{7DB6E382-4F61-4E24-BE1A-377EC83D0E3A}" type="datetime1">
               <a:rPr lang="en-US" smtClean="0"/>
-              <a:t>10/10/21</a:t>
+              <a:t>1/18/22</a:t>
             </a:fld>
             <a:endParaRPr lang="en-US"/>
           </a:p>
@@ -3008,7 +3007,7 @@
           <a:p>
             <a:fld id="{4142EED6-FC16-45B9-B8C4-2BC5DBA88325}" type="datetime1">
               <a:rPr lang="en-US" smtClean="0"/>
-              <a:t>10/10/21</a:t>
+              <a:t>1/18/22</a:t>
             </a:fld>
             <a:endParaRPr lang="en-US"/>
           </a:p>
@@ -3323,7 +3322,7 @@
           <a:p>
             <a:fld id="{DF59512B-4F1D-43D7-8819-2F53FEF69650}" type="datetime1">
               <a:rPr lang="en-US" smtClean="0"/>
-              <a:t>10/10/21</a:t>
+              <a:t>1/18/22</a:t>
             </a:fld>
             <a:endParaRPr lang="en-US"/>
           </a:p>
@@ -3596,7 +3595,7 @@
           <a:p>
             <a:fld id="{08437B94-E2BF-44DC-ADC5-B05FC9934E9D}" type="datetime1">
               <a:rPr lang="en-US" smtClean="0"/>
-              <a:t>10/10/21</a:t>
+              <a:t>1/18/22</a:t>
             </a:fld>
             <a:endParaRPr lang="en-US"/>
           </a:p>
@@ -4029,7 +4028,7 @@
           <a:p>
             <a:fld id="{6700A58B-DD98-43D0-B791-721480A02982}" type="datetime1">
               <a:rPr lang="en-US" smtClean="0"/>
-              <a:t>10/10/21</a:t>
+              <a:t>1/18/22</a:t>
             </a:fld>
             <a:endParaRPr lang="en-US"/>
           </a:p>
@@ -4305,7 +4304,7 @@
           <a:p>
             <a:fld id="{6700A58B-DD98-43D0-B791-721480A02982}" type="datetime1">
               <a:rPr lang="en-US" smtClean="0"/>
-              <a:t>10/10/21</a:t>
+              <a:t>1/18/22</a:t>
             </a:fld>
             <a:endParaRPr lang="en-US"/>
           </a:p>
@@ -4356,730 +4355,6 @@
             <a:fld id="{37290FF7-652B-4475-AEAB-8B1A5D23AE09}" type="slidenum">
               <a:rPr lang="en-US" smtClean="0"/>
               <a:t>10</a:t>
-            </a:fld>
-            <a:endParaRPr lang="en-US"/>
-          </a:p>
-        </p:txBody>
-      </p:sp>
-      <p:sp>
-        <p:nvSpPr>
-          <p:cNvPr id="6" name="Rectangle 5"/>
-          <p:cNvSpPr/>
-          <p:nvPr/>
-        </p:nvSpPr>
-        <p:spPr>
-          <a:xfrm>
-            <a:off x="366877" y="2410048"/>
-            <a:ext cx="4572000" cy="1938992"/>
-          </a:xfrm>
-          <a:prstGeom prst="rect">
-            <a:avLst/>
-          </a:prstGeom>
-          <a:solidFill>
-            <a:schemeClr val="bg1">
-              <a:lumMod val="85000"/>
-            </a:schemeClr>
-          </a:solidFill>
-        </p:spPr>
-        <p:txBody>
-          <a:bodyPr>
-            <a:spAutoFit/>
-          </a:bodyPr>
-          <a:lstStyle/>
-          <a:p>
-            <a:pPr defTabSz="457200"/>
-            <a:r>
-              <a:rPr lang="en-US" sz="1200" kern="1200" dirty="0" err="1">
-                <a:solidFill>
-                  <a:prstClr val="black"/>
-                </a:solidFill>
-                <a:latin typeface="Consolas" panose="020B0609020204030204" pitchFamily="49" charset="0"/>
-                <a:ea typeface="Arial Unicode MS" panose="020B0604020202020204" pitchFamily="34" charset="-128"/>
-                <a:cs typeface="Consolas" panose="020B0609020204030204" pitchFamily="49" charset="0"/>
-              </a:rPr>
-              <a:t>tryTolower</a:t>
-            </a:r>
-            <a:r>
-              <a:rPr lang="en-US" sz="1200" kern="1200" dirty="0">
-                <a:solidFill>
-                  <a:prstClr val="black"/>
-                </a:solidFill>
-                <a:latin typeface="Consolas" panose="020B0609020204030204" pitchFamily="49" charset="0"/>
-                <a:ea typeface="Arial Unicode MS" panose="020B0604020202020204" pitchFamily="34" charset="-128"/>
-                <a:cs typeface="Consolas" panose="020B0609020204030204" pitchFamily="49" charset="0"/>
-              </a:rPr>
-              <a:t> &lt;- function(x){</a:t>
-            </a:r>
-          </a:p>
-          <a:p>
-            <a:pPr defTabSz="457200"/>
-            <a:r>
-              <a:rPr lang="en-US" sz="1200" kern="1200" dirty="0">
-                <a:solidFill>
-                  <a:prstClr val="black"/>
-                </a:solidFill>
-                <a:latin typeface="Consolas" panose="020B0609020204030204" pitchFamily="49" charset="0"/>
-                <a:ea typeface="Arial Unicode MS" panose="020B0604020202020204" pitchFamily="34" charset="-128"/>
-                <a:cs typeface="Consolas" panose="020B0609020204030204" pitchFamily="49" charset="0"/>
-              </a:rPr>
-              <a:t>  # return NA when there is an error</a:t>
-            </a:r>
-          </a:p>
-          <a:p>
-            <a:pPr defTabSz="457200"/>
-            <a:r>
-              <a:rPr lang="en-US" sz="1200" kern="1200" dirty="0">
-                <a:solidFill>
-                  <a:prstClr val="black"/>
-                </a:solidFill>
-                <a:latin typeface="Consolas" panose="020B0609020204030204" pitchFamily="49" charset="0"/>
-                <a:ea typeface="Arial Unicode MS" panose="020B0604020202020204" pitchFamily="34" charset="-128"/>
-                <a:cs typeface="Consolas" panose="020B0609020204030204" pitchFamily="49" charset="0"/>
-              </a:rPr>
-              <a:t>  y = NA</a:t>
-            </a:r>
-          </a:p>
-          <a:p>
-            <a:pPr defTabSz="457200"/>
-            <a:r>
-              <a:rPr lang="en-US" sz="1200" kern="1200" dirty="0">
-                <a:solidFill>
-                  <a:prstClr val="black"/>
-                </a:solidFill>
-                <a:latin typeface="Consolas" panose="020B0609020204030204" pitchFamily="49" charset="0"/>
-                <a:ea typeface="Arial Unicode MS" panose="020B0604020202020204" pitchFamily="34" charset="-128"/>
-                <a:cs typeface="Consolas" panose="020B0609020204030204" pitchFamily="49" charset="0"/>
-              </a:rPr>
-              <a:t>  # </a:t>
-            </a:r>
-            <a:r>
-              <a:rPr lang="en-US" sz="1200" kern="1200" dirty="0" err="1">
-                <a:solidFill>
-                  <a:prstClr val="black"/>
-                </a:solidFill>
-                <a:latin typeface="Consolas" panose="020B0609020204030204" pitchFamily="49" charset="0"/>
-                <a:ea typeface="Arial Unicode MS" panose="020B0604020202020204" pitchFamily="34" charset="-128"/>
-                <a:cs typeface="Consolas" panose="020B0609020204030204" pitchFamily="49" charset="0"/>
-              </a:rPr>
-              <a:t>tryCatch</a:t>
-            </a:r>
-            <a:r>
-              <a:rPr lang="en-US" sz="1200" kern="1200" dirty="0">
-                <a:solidFill>
-                  <a:prstClr val="black"/>
-                </a:solidFill>
-                <a:latin typeface="Consolas" panose="020B0609020204030204" pitchFamily="49" charset="0"/>
-                <a:ea typeface="Arial Unicode MS" panose="020B0604020202020204" pitchFamily="34" charset="-128"/>
-                <a:cs typeface="Consolas" panose="020B0609020204030204" pitchFamily="49" charset="0"/>
-              </a:rPr>
-              <a:t> error</a:t>
-            </a:r>
-          </a:p>
-          <a:p>
-            <a:pPr defTabSz="457200"/>
-            <a:r>
-              <a:rPr lang="en-US" sz="1200" kern="1200" dirty="0">
-                <a:solidFill>
-                  <a:prstClr val="black"/>
-                </a:solidFill>
-                <a:latin typeface="Consolas" panose="020B0609020204030204" pitchFamily="49" charset="0"/>
-                <a:ea typeface="Arial Unicode MS" panose="020B0604020202020204" pitchFamily="34" charset="-128"/>
-                <a:cs typeface="Consolas" panose="020B0609020204030204" pitchFamily="49" charset="0"/>
-              </a:rPr>
-              <a:t>  </a:t>
-            </a:r>
-            <a:r>
-              <a:rPr lang="en-US" sz="1200" kern="1200" dirty="0" err="1">
-                <a:solidFill>
-                  <a:prstClr val="black"/>
-                </a:solidFill>
-                <a:latin typeface="Consolas" panose="020B0609020204030204" pitchFamily="49" charset="0"/>
-                <a:ea typeface="Arial Unicode MS" panose="020B0604020202020204" pitchFamily="34" charset="-128"/>
-                <a:cs typeface="Consolas" panose="020B0609020204030204" pitchFamily="49" charset="0"/>
-              </a:rPr>
-              <a:t>try_error</a:t>
-            </a:r>
-            <a:r>
-              <a:rPr lang="en-US" sz="1200" kern="1200" dirty="0">
-                <a:solidFill>
-                  <a:prstClr val="black"/>
-                </a:solidFill>
-                <a:latin typeface="Consolas" panose="020B0609020204030204" pitchFamily="49" charset="0"/>
-                <a:ea typeface="Arial Unicode MS" panose="020B0604020202020204" pitchFamily="34" charset="-128"/>
-                <a:cs typeface="Consolas" panose="020B0609020204030204" pitchFamily="49" charset="0"/>
-              </a:rPr>
-              <a:t> = </a:t>
-            </a:r>
-            <a:r>
-              <a:rPr lang="en-US" sz="1200" kern="1200" dirty="0" err="1">
-                <a:solidFill>
-                  <a:prstClr val="black"/>
-                </a:solidFill>
-                <a:latin typeface="Consolas" panose="020B0609020204030204" pitchFamily="49" charset="0"/>
-                <a:ea typeface="Arial Unicode MS" panose="020B0604020202020204" pitchFamily="34" charset="-128"/>
-                <a:cs typeface="Consolas" panose="020B0609020204030204" pitchFamily="49" charset="0"/>
-              </a:rPr>
-              <a:t>tryCatch</a:t>
-            </a:r>
-            <a:r>
-              <a:rPr lang="en-US" sz="1200" kern="1200" dirty="0">
-                <a:solidFill>
-                  <a:prstClr val="black"/>
-                </a:solidFill>
-                <a:latin typeface="Consolas" panose="020B0609020204030204" pitchFamily="49" charset="0"/>
-                <a:ea typeface="Arial Unicode MS" panose="020B0604020202020204" pitchFamily="34" charset="-128"/>
-                <a:cs typeface="Consolas" panose="020B0609020204030204" pitchFamily="49" charset="0"/>
-              </a:rPr>
-              <a:t>(</a:t>
-            </a:r>
-            <a:r>
-              <a:rPr lang="en-US" sz="1200" kern="1200" dirty="0" err="1">
-                <a:solidFill>
-                  <a:prstClr val="black"/>
-                </a:solidFill>
-                <a:latin typeface="Consolas" panose="020B0609020204030204" pitchFamily="49" charset="0"/>
-                <a:ea typeface="Arial Unicode MS" panose="020B0604020202020204" pitchFamily="34" charset="-128"/>
-                <a:cs typeface="Consolas" panose="020B0609020204030204" pitchFamily="49" charset="0"/>
-              </a:rPr>
-              <a:t>tolower</a:t>
-            </a:r>
-            <a:r>
-              <a:rPr lang="en-US" sz="1200" kern="1200" dirty="0">
-                <a:solidFill>
-                  <a:prstClr val="black"/>
-                </a:solidFill>
-                <a:latin typeface="Consolas" panose="020B0609020204030204" pitchFamily="49" charset="0"/>
-                <a:ea typeface="Arial Unicode MS" panose="020B0604020202020204" pitchFamily="34" charset="-128"/>
-                <a:cs typeface="Consolas" panose="020B0609020204030204" pitchFamily="49" charset="0"/>
-              </a:rPr>
-              <a:t>(x), error = function(e) e)</a:t>
-            </a:r>
-          </a:p>
-          <a:p>
-            <a:pPr defTabSz="457200"/>
-            <a:r>
-              <a:rPr lang="en-US" sz="1200" kern="1200" dirty="0">
-                <a:solidFill>
-                  <a:prstClr val="black"/>
-                </a:solidFill>
-                <a:latin typeface="Consolas" panose="020B0609020204030204" pitchFamily="49" charset="0"/>
-                <a:ea typeface="Arial Unicode MS" panose="020B0604020202020204" pitchFamily="34" charset="-128"/>
-                <a:cs typeface="Consolas" panose="020B0609020204030204" pitchFamily="49" charset="0"/>
-              </a:rPr>
-              <a:t>  # if not an error</a:t>
-            </a:r>
-          </a:p>
-          <a:p>
-            <a:pPr defTabSz="457200"/>
-            <a:r>
-              <a:rPr lang="en-US" sz="1200" kern="1200" dirty="0">
-                <a:solidFill>
-                  <a:prstClr val="black"/>
-                </a:solidFill>
-                <a:latin typeface="Consolas" panose="020B0609020204030204" pitchFamily="49" charset="0"/>
-                <a:ea typeface="Arial Unicode MS" panose="020B0604020202020204" pitchFamily="34" charset="-128"/>
-                <a:cs typeface="Consolas" panose="020B0609020204030204" pitchFamily="49" charset="0"/>
-              </a:rPr>
-              <a:t>  if (!inherits(</a:t>
-            </a:r>
-            <a:r>
-              <a:rPr lang="en-US" sz="1200" kern="1200" dirty="0" err="1">
-                <a:solidFill>
-                  <a:prstClr val="black"/>
-                </a:solidFill>
-                <a:latin typeface="Consolas" panose="020B0609020204030204" pitchFamily="49" charset="0"/>
-                <a:ea typeface="Arial Unicode MS" panose="020B0604020202020204" pitchFamily="34" charset="-128"/>
-                <a:cs typeface="Consolas" panose="020B0609020204030204" pitchFamily="49" charset="0"/>
-              </a:rPr>
-              <a:t>try_error</a:t>
-            </a:r>
-            <a:r>
-              <a:rPr lang="en-US" sz="1200" kern="1200" dirty="0">
-                <a:solidFill>
-                  <a:prstClr val="black"/>
-                </a:solidFill>
-                <a:latin typeface="Consolas" panose="020B0609020204030204" pitchFamily="49" charset="0"/>
-                <a:ea typeface="Arial Unicode MS" panose="020B0604020202020204" pitchFamily="34" charset="-128"/>
-                <a:cs typeface="Consolas" panose="020B0609020204030204" pitchFamily="49" charset="0"/>
-              </a:rPr>
-              <a:t>, 'error'))</a:t>
-            </a:r>
-          </a:p>
-          <a:p>
-            <a:pPr defTabSz="457200"/>
-            <a:r>
-              <a:rPr lang="en-US" sz="1200" kern="1200" dirty="0">
-                <a:solidFill>
-                  <a:prstClr val="black"/>
-                </a:solidFill>
-                <a:latin typeface="Consolas" panose="020B0609020204030204" pitchFamily="49" charset="0"/>
-                <a:ea typeface="Arial Unicode MS" panose="020B0604020202020204" pitchFamily="34" charset="-128"/>
-                <a:cs typeface="Consolas" panose="020B0609020204030204" pitchFamily="49" charset="0"/>
-              </a:rPr>
-              <a:t>    y = </a:t>
-            </a:r>
-            <a:r>
-              <a:rPr lang="en-US" sz="1200" kern="1200" dirty="0" err="1">
-                <a:solidFill>
-                  <a:prstClr val="black"/>
-                </a:solidFill>
-                <a:latin typeface="Consolas" panose="020B0609020204030204" pitchFamily="49" charset="0"/>
-                <a:ea typeface="Arial Unicode MS" panose="020B0604020202020204" pitchFamily="34" charset="-128"/>
-                <a:cs typeface="Consolas" panose="020B0609020204030204" pitchFamily="49" charset="0"/>
-              </a:rPr>
-              <a:t>tolower</a:t>
-            </a:r>
-            <a:r>
-              <a:rPr lang="en-US" sz="1200" kern="1200" dirty="0">
-                <a:solidFill>
-                  <a:prstClr val="black"/>
-                </a:solidFill>
-                <a:latin typeface="Consolas" panose="020B0609020204030204" pitchFamily="49" charset="0"/>
-                <a:ea typeface="Arial Unicode MS" panose="020B0604020202020204" pitchFamily="34" charset="-128"/>
-                <a:cs typeface="Consolas" panose="020B0609020204030204" pitchFamily="49" charset="0"/>
-              </a:rPr>
-              <a:t>(x)</a:t>
-            </a:r>
-          </a:p>
-          <a:p>
-            <a:pPr defTabSz="457200"/>
-            <a:r>
-              <a:rPr lang="en-US" sz="1200" kern="1200" dirty="0">
-                <a:solidFill>
-                  <a:prstClr val="black"/>
-                </a:solidFill>
-                <a:latin typeface="Consolas" panose="020B0609020204030204" pitchFamily="49" charset="0"/>
-                <a:ea typeface="Arial Unicode MS" panose="020B0604020202020204" pitchFamily="34" charset="-128"/>
-                <a:cs typeface="Consolas" panose="020B0609020204030204" pitchFamily="49" charset="0"/>
-              </a:rPr>
-              <a:t>  return(y)}</a:t>
-            </a:r>
-          </a:p>
-        </p:txBody>
-      </p:sp>
-      <p:sp>
-        <p:nvSpPr>
-          <p:cNvPr id="7" name="TextBox 6"/>
-          <p:cNvSpPr txBox="1"/>
-          <p:nvPr/>
-        </p:nvSpPr>
-        <p:spPr>
-          <a:xfrm>
-            <a:off x="414174" y="1245053"/>
-            <a:ext cx="8304157" cy="369332"/>
-          </a:xfrm>
-          <a:prstGeom prst="rect">
-            <a:avLst/>
-          </a:prstGeom>
-          <a:solidFill>
-            <a:schemeClr val="tx2"/>
-          </a:solidFill>
-        </p:spPr>
-        <p:txBody>
-          <a:bodyPr wrap="square" rtlCol="0">
-            <a:spAutoFit/>
-          </a:bodyPr>
-          <a:lstStyle/>
-          <a:p>
-            <a:pPr defTabSz="457200"/>
-            <a:r>
-              <a:rPr lang="en-US" sz="1800" kern="1200" dirty="0">
-                <a:solidFill>
-                  <a:schemeClr val="bg1"/>
-                </a:solidFill>
-                <a:latin typeface="+mj-lt"/>
-                <a:ea typeface="Arial Unicode MS" panose="020B0604020202020204" pitchFamily="34" charset="-128"/>
-                <a:cs typeface="Arial Unicode MS" panose="020B0604020202020204" pitchFamily="34" charset="-128"/>
-              </a:rPr>
-              <a:t>“</a:t>
-            </a:r>
-            <a:r>
-              <a:rPr lang="en-US" sz="1800" kern="1200" dirty="0" err="1">
-                <a:solidFill>
-                  <a:schemeClr val="bg1"/>
-                </a:solidFill>
-                <a:latin typeface="+mj-lt"/>
-                <a:ea typeface="Arial Unicode MS" panose="020B0604020202020204" pitchFamily="34" charset="-128"/>
-                <a:cs typeface="Arial Unicode MS" panose="020B0604020202020204" pitchFamily="34" charset="-128"/>
-              </a:rPr>
-              <a:t>tryTolower</a:t>
-            </a:r>
-            <a:r>
-              <a:rPr lang="en-US" sz="1800" kern="1200" dirty="0">
-                <a:solidFill>
-                  <a:schemeClr val="bg1"/>
-                </a:solidFill>
-                <a:latin typeface="+mj-lt"/>
-                <a:ea typeface="Arial Unicode MS" panose="020B0604020202020204" pitchFamily="34" charset="-128"/>
-                <a:cs typeface="Arial Unicode MS" panose="020B0604020202020204" pitchFamily="34" charset="-128"/>
-              </a:rPr>
-              <a:t>” is poached to account for errors when making lowercase. </a:t>
-            </a:r>
-          </a:p>
-        </p:txBody>
-      </p:sp>
-      <p:sp>
-        <p:nvSpPr>
-          <p:cNvPr id="12" name="Rectangle 11"/>
-          <p:cNvSpPr/>
-          <p:nvPr/>
-        </p:nvSpPr>
-        <p:spPr>
-          <a:xfrm>
-            <a:off x="396240" y="5050572"/>
-            <a:ext cx="8351520" cy="923330"/>
-          </a:xfrm>
-          <a:prstGeom prst="rect">
-            <a:avLst/>
-          </a:prstGeom>
-          <a:solidFill>
-            <a:schemeClr val="accent3"/>
-          </a:solidFill>
-        </p:spPr>
-        <p:txBody>
-          <a:bodyPr wrap="square">
-            <a:spAutoFit/>
-          </a:bodyPr>
-          <a:lstStyle/>
-          <a:p>
-            <a:pPr defTabSz="457200"/>
-            <a:r>
-              <a:rPr lang="en-US" dirty="0">
-                <a:solidFill>
-                  <a:prstClr val="white"/>
-                </a:solidFill>
-                <a:latin typeface="Arial Unicode MS" panose="020B0604020202020204" pitchFamily="34" charset="-128"/>
-                <a:ea typeface="Arial Unicode MS" panose="020B0604020202020204" pitchFamily="34" charset="-128"/>
-                <a:cs typeface="Arial Unicode MS" panose="020B0604020202020204" pitchFamily="34" charset="-128"/>
-              </a:rPr>
-              <a:t>Base: </a:t>
-            </a:r>
-            <a:r>
-              <a:rPr lang="en-US" dirty="0" err="1">
-                <a:solidFill>
-                  <a:prstClr val="white"/>
-                </a:solidFill>
-                <a:latin typeface="Consolas" panose="020B0609020204030204" pitchFamily="49" charset="0"/>
-                <a:ea typeface="Arial Unicode MS" panose="020B0604020202020204" pitchFamily="34" charset="-128"/>
-                <a:cs typeface="Consolas" panose="020B0609020204030204" pitchFamily="49" charset="0"/>
-              </a:rPr>
-              <a:t>tolower</a:t>
-            </a:r>
-            <a:r>
-              <a:rPr lang="en-US" dirty="0">
-                <a:solidFill>
-                  <a:prstClr val="white"/>
-                </a:solidFill>
-                <a:latin typeface="Arial Unicode MS" panose="020B0604020202020204" pitchFamily="34" charset="-128"/>
-                <a:ea typeface="Arial Unicode MS" panose="020B0604020202020204" pitchFamily="34" charset="-128"/>
-                <a:cs typeface="Arial Unicode MS" panose="020B0604020202020204" pitchFamily="34" charset="-128"/>
-              </a:rPr>
-              <a:t> (basic) – fails if not utf-8</a:t>
-            </a:r>
-          </a:p>
-          <a:p>
-            <a:pPr defTabSz="457200"/>
-            <a:r>
-              <a:rPr lang="en-US" dirty="0" err="1">
-                <a:solidFill>
-                  <a:prstClr val="white"/>
-                </a:solidFill>
-                <a:latin typeface="Arial Unicode MS" panose="020B0604020202020204" pitchFamily="34" charset="-128"/>
-                <a:ea typeface="Arial Unicode MS" panose="020B0604020202020204" pitchFamily="34" charset="-128"/>
-                <a:cs typeface="Arial Unicode MS" panose="020B0604020202020204" pitchFamily="34" charset="-128"/>
-              </a:rPr>
-              <a:t>Stringr</a:t>
-            </a:r>
-            <a:r>
-              <a:rPr lang="en-US" dirty="0">
-                <a:solidFill>
-                  <a:prstClr val="white"/>
-                </a:solidFill>
-                <a:latin typeface="Arial Unicode MS" panose="020B0604020202020204" pitchFamily="34" charset="-128"/>
-                <a:ea typeface="Arial Unicode MS" panose="020B0604020202020204" pitchFamily="34" charset="-128"/>
-                <a:cs typeface="Arial Unicode MS" panose="020B0604020202020204" pitchFamily="34" charset="-128"/>
-              </a:rPr>
-              <a:t>: </a:t>
-            </a:r>
-            <a:r>
-              <a:rPr lang="en-US" dirty="0" err="1">
-                <a:solidFill>
-                  <a:prstClr val="white"/>
-                </a:solidFill>
-                <a:latin typeface="Consolas" panose="020B0609020204030204" pitchFamily="49" charset="0"/>
-                <a:ea typeface="Arial Unicode MS" panose="020B0604020202020204" pitchFamily="34" charset="-128"/>
-                <a:cs typeface="Consolas" panose="020B0609020204030204" pitchFamily="49" charset="0"/>
-              </a:rPr>
-              <a:t>str_to_lower</a:t>
-            </a:r>
-            <a:r>
-              <a:rPr lang="en-US" dirty="0">
-                <a:solidFill>
-                  <a:prstClr val="white"/>
-                </a:solidFill>
-                <a:latin typeface="Arial Unicode MS" panose="020B0604020202020204" pitchFamily="34" charset="-128"/>
-                <a:ea typeface="Arial Unicode MS" panose="020B0604020202020204" pitchFamily="34" charset="-128"/>
-                <a:cs typeface="Arial Unicode MS" panose="020B0604020202020204" pitchFamily="34" charset="-128"/>
-              </a:rPr>
-              <a:t> (wrapper) – fails if not utf-8</a:t>
-            </a:r>
-          </a:p>
-          <a:p>
-            <a:pPr defTabSz="457200"/>
-            <a:r>
-              <a:rPr lang="en-US" dirty="0">
-                <a:solidFill>
-                  <a:prstClr val="white"/>
-                </a:solidFill>
-                <a:latin typeface="Arial Unicode MS" panose="020B0604020202020204" pitchFamily="34" charset="-128"/>
-                <a:ea typeface="Arial Unicode MS" panose="020B0604020202020204" pitchFamily="34" charset="-128"/>
-                <a:cs typeface="Arial Unicode MS" panose="020B0604020202020204" pitchFamily="34" charset="-128"/>
-              </a:rPr>
-              <a:t>Custom: </a:t>
-            </a:r>
-            <a:r>
-              <a:rPr lang="en-US" dirty="0" err="1">
-                <a:solidFill>
-                  <a:prstClr val="white"/>
-                </a:solidFill>
-                <a:latin typeface="Consolas" panose="020B0609020204030204" pitchFamily="49" charset="0"/>
-                <a:ea typeface="Arial Unicode MS" panose="020B0604020202020204" pitchFamily="34" charset="-128"/>
-                <a:cs typeface="Consolas" panose="020B0609020204030204" pitchFamily="49" charset="0"/>
-              </a:rPr>
-              <a:t>tryTolower</a:t>
-            </a:r>
-            <a:r>
-              <a:rPr lang="en-US" dirty="0">
-                <a:solidFill>
-                  <a:prstClr val="white"/>
-                </a:solidFill>
-                <a:latin typeface="Arial Unicode MS" panose="020B0604020202020204" pitchFamily="34" charset="-128"/>
-                <a:ea typeface="Arial Unicode MS" panose="020B0604020202020204" pitchFamily="34" charset="-128"/>
-                <a:cs typeface="Arial Unicode MS" panose="020B0604020202020204" pitchFamily="34" charset="-128"/>
-              </a:rPr>
-              <a:t> (handles errors) – fault tolerant!</a:t>
-            </a:r>
-          </a:p>
-        </p:txBody>
-      </p:sp>
-      <p:cxnSp>
-        <p:nvCxnSpPr>
-          <p:cNvPr id="9" name="Straight Connector 8">
-            <a:extLst>
-              <a:ext uri="{FF2B5EF4-FFF2-40B4-BE49-F238E27FC236}">
-                <a16:creationId xmlns:a16="http://schemas.microsoft.com/office/drawing/2014/main" id="{D585887A-F600-104E-9C8B-AB2FDD141384}"/>
-              </a:ext>
-            </a:extLst>
-          </p:cNvPr>
-          <p:cNvCxnSpPr/>
-          <p:nvPr/>
-        </p:nvCxnSpPr>
-        <p:spPr>
-          <a:xfrm>
-            <a:off x="6798363" y="6549885"/>
-            <a:ext cx="0" cy="182880"/>
-          </a:xfrm>
-          <a:prstGeom prst="line">
-            <a:avLst/>
-          </a:prstGeom>
-          <a:ln>
-            <a:solidFill>
-              <a:schemeClr val="bg1">
-                <a:lumMod val="85000"/>
-              </a:schemeClr>
-            </a:solidFill>
-          </a:ln>
-        </p:spPr>
-        <p:style>
-          <a:lnRef idx="1">
-            <a:schemeClr val="accent1"/>
-          </a:lnRef>
-          <a:fillRef idx="0">
-            <a:schemeClr val="accent1"/>
-          </a:fillRef>
-          <a:effectRef idx="0">
-            <a:schemeClr val="accent1"/>
-          </a:effectRef>
-          <a:fontRef idx="minor">
-            <a:schemeClr val="tx1"/>
-          </a:fontRef>
-        </p:style>
-      </p:cxnSp>
-      <p:cxnSp>
-        <p:nvCxnSpPr>
-          <p:cNvPr id="10" name="Straight Connector 9">
-            <a:extLst>
-              <a:ext uri="{FF2B5EF4-FFF2-40B4-BE49-F238E27FC236}">
-                <a16:creationId xmlns:a16="http://schemas.microsoft.com/office/drawing/2014/main" id="{30937578-F52C-3F41-9976-2ACAC71EA46B}"/>
-              </a:ext>
-            </a:extLst>
-          </p:cNvPr>
-          <p:cNvCxnSpPr/>
-          <p:nvPr/>
-        </p:nvCxnSpPr>
-        <p:spPr>
-          <a:xfrm>
-            <a:off x="7076661" y="4664763"/>
-            <a:ext cx="182880" cy="0"/>
-          </a:xfrm>
-          <a:prstGeom prst="line">
-            <a:avLst/>
-          </a:prstGeom>
-          <a:ln>
-            <a:solidFill>
-              <a:schemeClr val="bg1">
-                <a:lumMod val="85000"/>
-              </a:schemeClr>
-            </a:solidFill>
-          </a:ln>
-        </p:spPr>
-        <p:style>
-          <a:lnRef idx="1">
-            <a:schemeClr val="accent1"/>
-          </a:lnRef>
-          <a:fillRef idx="0">
-            <a:schemeClr val="accent1"/>
-          </a:fillRef>
-          <a:effectRef idx="0">
-            <a:schemeClr val="accent1"/>
-          </a:effectRef>
-          <a:fontRef idx="minor">
-            <a:schemeClr val="tx1"/>
-          </a:fontRef>
-        </p:style>
-      </p:cxnSp>
-      <p:sp>
-        <p:nvSpPr>
-          <p:cNvPr id="14" name="Footer Placeholder 4">
-            <a:extLst>
-              <a:ext uri="{FF2B5EF4-FFF2-40B4-BE49-F238E27FC236}">
-                <a16:creationId xmlns:a16="http://schemas.microsoft.com/office/drawing/2014/main" id="{3A1931E4-F9DE-7844-9133-0A17398D6941}"/>
-              </a:ext>
-            </a:extLst>
-          </p:cNvPr>
-          <p:cNvSpPr>
-            <a:spLocks noGrp="1"/>
-          </p:cNvSpPr>
-          <p:nvPr>
-            <p:ph type="ftr" sz="quarter" idx="3"/>
-          </p:nvPr>
-        </p:nvSpPr>
-        <p:spPr>
-          <a:xfrm>
-            <a:off x="3028950" y="6356351"/>
-            <a:ext cx="3086100" cy="365125"/>
-          </a:xfrm>
-        </p:spPr>
-        <p:txBody>
-          <a:bodyPr/>
-          <a:lstStyle/>
-          <a:p>
-            <a:r>
-              <a:rPr lang="en-US"/>
-              <a:t>Kwartler</a:t>
-            </a:r>
-            <a:endParaRPr lang="en-US" dirty="0"/>
-          </a:p>
-        </p:txBody>
-      </p:sp>
-    </p:spTree>
-    <p:extLst>
-      <p:ext uri="{BB962C8B-B14F-4D97-AF65-F5344CB8AC3E}">
-        <p14:creationId xmlns:p14="http://schemas.microsoft.com/office/powerpoint/2010/main" val="3465958743"/>
-      </p:ext>
-    </p:extLst>
-  </p:cSld>
-  <p:clrMapOvr>
-    <a:masterClrMapping/>
-  </p:clrMapOvr>
-</p:sld>
-</file>
-
-<file path=ppt/slides/slide11.xml><?xml version="1.0" encoding="utf-8"?>
-<p:sld xmlns:a="http://schemas.openxmlformats.org/drawingml/2006/main" xmlns:r="http://schemas.openxmlformats.org/officeDocument/2006/relationships" xmlns:p="http://schemas.openxmlformats.org/presentationml/2006/main">
-  <p:cSld>
-    <p:spTree>
-      <p:nvGrpSpPr>
-        <p:cNvPr id="1" name=""/>
-        <p:cNvGrpSpPr/>
-        <p:nvPr/>
-      </p:nvGrpSpPr>
-      <p:grpSpPr>
-        <a:xfrm>
-          <a:off x="0" y="0"/>
-          <a:ext cx="0" cy="0"/>
-          <a:chOff x="0" y="0"/>
-          <a:chExt cx="0" cy="0"/>
-        </a:xfrm>
-      </p:grpSpPr>
-      <p:sp>
-        <p:nvSpPr>
-          <p:cNvPr id="2" name="Date Placeholder 1"/>
-          <p:cNvSpPr>
-            <a:spLocks noGrp="1"/>
-          </p:cNvSpPr>
-          <p:nvPr>
-            <p:ph type="dt" sz="half" idx="10"/>
-          </p:nvPr>
-        </p:nvSpPr>
-        <p:spPr/>
-        <p:txBody>
-          <a:bodyPr/>
-          <a:lstStyle/>
-          <a:p>
-            <a:fld id="{6700A58B-DD98-43D0-B791-721480A02982}" type="datetime1">
-              <a:rPr lang="en-US" smtClean="0"/>
-              <a:t>10/10/21</a:t>
-            </a:fld>
-            <a:endParaRPr lang="en-US"/>
-          </a:p>
-        </p:txBody>
-      </p:sp>
-      <p:sp>
-        <p:nvSpPr>
-          <p:cNvPr id="3" name="Title 2"/>
-          <p:cNvSpPr>
-            <a:spLocks noGrp="1"/>
-          </p:cNvSpPr>
-          <p:nvPr>
-            <p:ph type="title"/>
-          </p:nvPr>
-        </p:nvSpPr>
-        <p:spPr>
-          <a:xfrm>
-            <a:off x="224851" y="365126"/>
-            <a:ext cx="8661973" cy="591477"/>
-          </a:xfrm>
-        </p:spPr>
-        <p:txBody>
-          <a:bodyPr/>
-          <a:lstStyle/>
-          <a:p>
-            <a:r>
-              <a:rPr lang="en-US" sz="2800" dirty="0"/>
-              <a:t>Custom Functions in this class</a:t>
-            </a:r>
-          </a:p>
-        </p:txBody>
-      </p:sp>
-      <p:sp>
-        <p:nvSpPr>
-          <p:cNvPr id="4" name="Slide Number Placeholder 3"/>
-          <p:cNvSpPr>
-            <a:spLocks noGrp="1"/>
-          </p:cNvSpPr>
-          <p:nvPr>
-            <p:ph type="sldNum" sz="quarter" idx="12"/>
-          </p:nvPr>
-        </p:nvSpPr>
-        <p:spPr/>
-        <p:txBody>
-          <a:bodyPr/>
-          <a:lstStyle/>
-          <a:p>
-            <a:fld id="{37290FF7-652B-4475-AEAB-8B1A5D23AE09}" type="slidenum">
-              <a:rPr lang="en-US" smtClean="0"/>
-              <a:t>11</a:t>
             </a:fld>
             <a:endParaRPr lang="en-US"/>
           </a:p>
@@ -5844,7 +5119,7 @@
 </p:sld>
 </file>
 
-<file path=ppt/slides/slide12.xml><?xml version="1.0" encoding="utf-8"?>
+<file path=ppt/slides/slide11.xml><?xml version="1.0" encoding="utf-8"?>
 <p:sld xmlns:a="http://schemas.openxmlformats.org/drawingml/2006/main" xmlns:r="http://schemas.openxmlformats.org/officeDocument/2006/relationships" xmlns:p="http://schemas.openxmlformats.org/presentationml/2006/main">
   <p:cSld>
     <p:spTree>
@@ -5884,7 +5159,7 @@
           <a:p>
             <a:fld id="{7DB6E382-4F61-4E24-BE1A-377EC83D0E3A}" type="datetime1">
               <a:rPr lang="en-US" smtClean="0"/>
-              <a:t>10/10/21</a:t>
+              <a:t>1/18/22</a:t>
             </a:fld>
             <a:endParaRPr lang="en-US"/>
           </a:p>
@@ -5913,7 +5188,7 @@
           <a:p>
             <a:fld id="{37290FF7-652B-4475-AEAB-8B1A5D23AE09}" type="slidenum">
               <a:rPr lang="en-US" smtClean="0"/>
-              <a:t>12</a:t>
+              <a:t>11</a:t>
             </a:fld>
             <a:endParaRPr lang="en-US"/>
           </a:p>
@@ -6401,7 +5676,7 @@
 </p:sld>
 </file>
 
-<file path=ppt/slides/slide13.xml><?xml version="1.0" encoding="utf-8"?>
+<file path=ppt/slides/slide12.xml><?xml version="1.0" encoding="utf-8"?>
 <p:sld xmlns:a="http://schemas.openxmlformats.org/drawingml/2006/main" xmlns:r="http://schemas.openxmlformats.org/officeDocument/2006/relationships" xmlns:p="http://schemas.openxmlformats.org/presentationml/2006/main">
   <p:cSld>
     <p:spTree>
@@ -6496,7 +5771,7 @@
           <a:p>
             <a:fld id="{6700A58B-DD98-43D0-B791-721480A02982}" type="datetime1">
               <a:rPr lang="en-US" smtClean="0"/>
-              <a:t>10/10/21</a:t>
+              <a:t>1/18/22</a:t>
             </a:fld>
             <a:endParaRPr lang="en-US"/>
           </a:p>
@@ -6541,7 +5816,7 @@
           <a:p>
             <a:fld id="{37290FF7-652B-4475-AEAB-8B1A5D23AE09}" type="slidenum">
               <a:rPr lang="en-US" smtClean="0"/>
-              <a:t>13</a:t>
+              <a:t>12</a:t>
             </a:fld>
             <a:endParaRPr lang="en-US"/>
           </a:p>
@@ -6865,7 +6140,7 @@
 </p:sld>
 </file>
 
-<file path=ppt/slides/slide14.xml><?xml version="1.0" encoding="utf-8"?>
+<file path=ppt/slides/slide13.xml><?xml version="1.0" encoding="utf-8"?>
 <p:sld xmlns:a="http://schemas.openxmlformats.org/drawingml/2006/main" xmlns:r="http://schemas.openxmlformats.org/officeDocument/2006/relationships" xmlns:p="http://schemas.openxmlformats.org/presentationml/2006/main">
   <p:cSld>
     <p:spTree>
@@ -6899,7 +6174,7 @@
           <a:p>
             <a:fld id="{6700A58B-DD98-43D0-B791-721480A02982}" type="datetime1">
               <a:rPr lang="en-US" smtClean="0"/>
-              <a:t>10/10/21</a:t>
+              <a:t>1/18/22</a:t>
             </a:fld>
             <a:endParaRPr lang="en-US"/>
           </a:p>
@@ -6944,7 +6219,7 @@
           <a:p>
             <a:fld id="{37290FF7-652B-4475-AEAB-8B1A5D23AE09}" type="slidenum">
               <a:rPr lang="en-US" smtClean="0"/>
-              <a:t>14</a:t>
+              <a:t>13</a:t>
             </a:fld>
             <a:endParaRPr lang="en-US"/>
           </a:p>
@@ -7488,7 +6763,7 @@
 </p:sld>
 </file>
 
-<file path=ppt/slides/slide15.xml><?xml version="1.0" encoding="utf-8"?>
+<file path=ppt/slides/slide14.xml><?xml version="1.0" encoding="utf-8"?>
 <p:sld xmlns:a="http://schemas.openxmlformats.org/drawingml/2006/main" xmlns:r="http://schemas.openxmlformats.org/officeDocument/2006/relationships" xmlns:p="http://schemas.openxmlformats.org/presentationml/2006/main">
   <p:cSld>
     <p:spTree>
@@ -7522,7 +6797,7 @@
           <a:p>
             <a:fld id="{6700A58B-DD98-43D0-B791-721480A02982}" type="datetime1">
               <a:rPr lang="en-US" smtClean="0"/>
-              <a:t>10/10/21</a:t>
+              <a:t>1/18/22</a:t>
             </a:fld>
             <a:endParaRPr lang="en-US"/>
           </a:p>
@@ -7567,7 +6842,7 @@
           <a:p>
             <a:fld id="{37290FF7-652B-4475-AEAB-8B1A5D23AE09}" type="slidenum">
               <a:rPr lang="en-US" smtClean="0"/>
-              <a:t>15</a:t>
+              <a:t>14</a:t>
             </a:fld>
             <a:endParaRPr lang="en-US"/>
           </a:p>
@@ -8951,7 +8226,7 @@
 </p:sld>
 </file>
 
-<file path=ppt/slides/slide16.xml><?xml version="1.0" encoding="utf-8"?>
+<file path=ppt/slides/slide15.xml><?xml version="1.0" encoding="utf-8"?>
 <p:sld xmlns:a="http://schemas.openxmlformats.org/drawingml/2006/main" xmlns:r="http://schemas.openxmlformats.org/officeDocument/2006/relationships" xmlns:p="http://schemas.openxmlformats.org/presentationml/2006/main">
   <p:cSld>
     <p:spTree>
@@ -8985,7 +8260,7 @@
           <a:p>
             <a:fld id="{6700A58B-DD98-43D0-B791-721480A02982}" type="datetime1">
               <a:rPr lang="en-US" smtClean="0"/>
-              <a:t>10/10/21</a:t>
+              <a:t>1/18/22</a:t>
             </a:fld>
             <a:endParaRPr lang="en-US"/>
           </a:p>
@@ -9030,7 +8305,7 @@
           <a:p>
             <a:fld id="{37290FF7-652B-4475-AEAB-8B1A5D23AE09}" type="slidenum">
               <a:rPr lang="en-US" smtClean="0"/>
-              <a:t>16</a:t>
+              <a:t>15</a:t>
             </a:fld>
             <a:endParaRPr lang="en-US"/>
           </a:p>
@@ -11891,7 +11166,7 @@
 </p:sld>
 </file>
 
-<file path=ppt/slides/slide17.xml><?xml version="1.0" encoding="utf-8"?>
+<file path=ppt/slides/slide16.xml><?xml version="1.0" encoding="utf-8"?>
 <p:sld xmlns:a="http://schemas.openxmlformats.org/drawingml/2006/main" xmlns:r="http://schemas.openxmlformats.org/officeDocument/2006/relationships" xmlns:p="http://schemas.openxmlformats.org/presentationml/2006/main">
   <p:cSld>
     <p:spTree>
@@ -11925,7 +11200,7 @@
           <a:p>
             <a:fld id="{6700A58B-DD98-43D0-B791-721480A02982}" type="datetime1">
               <a:rPr lang="en-US" smtClean="0"/>
-              <a:t>10/10/21</a:t>
+              <a:t>1/18/22</a:t>
             </a:fld>
             <a:endParaRPr lang="en-US"/>
           </a:p>
@@ -11970,7 +11245,7 @@
           <a:p>
             <a:fld id="{37290FF7-652B-4475-AEAB-8B1A5D23AE09}" type="slidenum">
               <a:rPr lang="en-US" smtClean="0"/>
-              <a:t>17</a:t>
+              <a:t>16</a:t>
             </a:fld>
             <a:endParaRPr lang="en-US"/>
           </a:p>
@@ -13473,6 +12748,515 @@
 </p:sld>
 </file>
 
+<file path=ppt/slides/slide17.xml><?xml version="1.0" encoding="utf-8"?>
+<p:sld xmlns:a="http://schemas.openxmlformats.org/drawingml/2006/main" xmlns:r="http://schemas.openxmlformats.org/officeDocument/2006/relationships" xmlns:p="http://schemas.openxmlformats.org/presentationml/2006/main">
+  <p:cSld>
+    <p:spTree>
+      <p:nvGrpSpPr>
+        <p:cNvPr id="1" name=""/>
+        <p:cNvGrpSpPr/>
+        <p:nvPr/>
+      </p:nvGrpSpPr>
+      <p:grpSpPr>
+        <a:xfrm>
+          <a:off x="0" y="0"/>
+          <a:ext cx="0" cy="0"/>
+          <a:chOff x="0" y="0"/>
+          <a:chExt cx="0" cy="0"/>
+        </a:xfrm>
+      </p:grpSpPr>
+      <p:sp>
+        <p:nvSpPr>
+          <p:cNvPr id="3" name="Title 2">
+            <a:extLst>
+              <a:ext uri="{FF2B5EF4-FFF2-40B4-BE49-F238E27FC236}">
+                <a16:creationId xmlns:a16="http://schemas.microsoft.com/office/drawing/2014/main" id="{2F061A48-CB41-4DDC-B8B9-5FFA68FF2634}"/>
+              </a:ext>
+            </a:extLst>
+          </p:cNvPr>
+          <p:cNvSpPr txBox="1">
+            <a:spLocks/>
+          </p:cNvSpPr>
+          <p:nvPr/>
+        </p:nvSpPr>
+        <p:spPr>
+          <a:xfrm>
+            <a:off x="628650" y="365126"/>
+            <a:ext cx="7886700" cy="591477"/>
+          </a:xfrm>
+          <a:prstGeom prst="rect">
+            <a:avLst/>
+          </a:prstGeom>
+        </p:spPr>
+        <p:txBody>
+          <a:bodyPr/>
+          <a:lstStyle>
+            <a:lvl1pPr algn="l" defTabSz="685800" rtl="0" eaLnBrk="1" latinLnBrk="0" hangingPunct="1">
+              <a:lnSpc>
+                <a:spcPct val="90000"/>
+              </a:lnSpc>
+              <a:spcBef>
+                <a:spcPct val="0"/>
+              </a:spcBef>
+              <a:buNone/>
+              <a:defRPr sz="3300" kern="1200">
+                <a:solidFill>
+                  <a:schemeClr val="tx1"/>
+                </a:solidFill>
+                <a:latin typeface="+mj-lt"/>
+                <a:ea typeface="+mj-ea"/>
+                <a:cs typeface="+mj-cs"/>
+              </a:defRPr>
+            </a:lvl1pPr>
+          </a:lstStyle>
+          <a:p>
+            <a:r>
+              <a:rPr lang="en-US" sz="2800" dirty="0"/>
+              <a:t>Let’s practice! Open ﻿</a:t>
+            </a:r>
+            <a:r>
+              <a:rPr lang="en-US" sz="2800" dirty="0" err="1"/>
+              <a:t>D_textOrg_DTM_Freq.R</a:t>
+            </a:r>
+            <a:endParaRPr lang="en-US" sz="2800" dirty="0"/>
+          </a:p>
+        </p:txBody>
+      </p:sp>
+      <p:sp>
+        <p:nvSpPr>
+          <p:cNvPr id="6" name="Date Placeholder 1">
+            <a:extLst>
+              <a:ext uri="{FF2B5EF4-FFF2-40B4-BE49-F238E27FC236}">
+                <a16:creationId xmlns:a16="http://schemas.microsoft.com/office/drawing/2014/main" id="{A5024E83-7248-49C6-83CE-0C52F416FEF7}"/>
+              </a:ext>
+            </a:extLst>
+          </p:cNvPr>
+          <p:cNvSpPr>
+            <a:spLocks noGrp="1"/>
+          </p:cNvSpPr>
+          <p:nvPr>
+            <p:ph type="dt" sz="half" idx="10"/>
+          </p:nvPr>
+        </p:nvSpPr>
+        <p:spPr>
+          <a:xfrm>
+            <a:off x="628650" y="6356351"/>
+            <a:ext cx="2057400" cy="365125"/>
+          </a:xfrm>
+        </p:spPr>
+        <p:txBody>
+          <a:bodyPr/>
+          <a:lstStyle/>
+          <a:p>
+            <a:fld id="{6700A58B-DD98-43D0-B791-721480A02982}" type="datetime1">
+              <a:rPr lang="en-US" smtClean="0"/>
+              <a:t>1/18/22</a:t>
+            </a:fld>
+            <a:endParaRPr lang="en-US"/>
+          </a:p>
+        </p:txBody>
+      </p:sp>
+      <p:sp>
+        <p:nvSpPr>
+          <p:cNvPr id="7" name="Slide Number Placeholder 3">
+            <a:extLst>
+              <a:ext uri="{FF2B5EF4-FFF2-40B4-BE49-F238E27FC236}">
+                <a16:creationId xmlns:a16="http://schemas.microsoft.com/office/drawing/2014/main" id="{269E8134-5ACB-40D1-8C0C-86324C8FEF4A}"/>
+              </a:ext>
+            </a:extLst>
+          </p:cNvPr>
+          <p:cNvSpPr>
+            <a:spLocks noGrp="1"/>
+          </p:cNvSpPr>
+          <p:nvPr>
+            <p:ph type="sldNum" sz="quarter" idx="12"/>
+          </p:nvPr>
+        </p:nvSpPr>
+        <p:spPr>
+          <a:xfrm>
+            <a:off x="6457950" y="6356351"/>
+            <a:ext cx="857250" cy="365125"/>
+          </a:xfrm>
+        </p:spPr>
+        <p:txBody>
+          <a:bodyPr/>
+          <a:lstStyle/>
+          <a:p>
+            <a:fld id="{37290FF7-652B-4475-AEAB-8B1A5D23AE09}" type="slidenum">
+              <a:rPr lang="en-US" smtClean="0"/>
+              <a:t>17</a:t>
+            </a:fld>
+            <a:endParaRPr lang="en-US"/>
+          </a:p>
+        </p:txBody>
+      </p:sp>
+      <p:sp>
+        <p:nvSpPr>
+          <p:cNvPr id="8" name="Rectangle 7">
+            <a:extLst>
+              <a:ext uri="{FF2B5EF4-FFF2-40B4-BE49-F238E27FC236}">
+                <a16:creationId xmlns:a16="http://schemas.microsoft.com/office/drawing/2014/main" id="{5CCC3125-0793-4764-A090-AAD0A322BE20}"/>
+              </a:ext>
+            </a:extLst>
+          </p:cNvPr>
+          <p:cNvSpPr/>
+          <p:nvPr/>
+        </p:nvSpPr>
+        <p:spPr>
+          <a:xfrm>
+            <a:off x="365760" y="2282915"/>
+            <a:ext cx="8399868" cy="726926"/>
+          </a:xfrm>
+          <a:prstGeom prst="rect">
+            <a:avLst/>
+          </a:prstGeom>
+          <a:solidFill>
+            <a:schemeClr val="bg1"/>
+          </a:solidFill>
+          <a:ln w="9525">
+            <a:solidFill>
+              <a:schemeClr val="bg2"/>
+            </a:solidFill>
+          </a:ln>
+        </p:spPr>
+        <p:style>
+          <a:lnRef idx="2">
+            <a:schemeClr val="accent1">
+              <a:shade val="50000"/>
+            </a:schemeClr>
+          </a:lnRef>
+          <a:fillRef idx="1">
+            <a:schemeClr val="accent1"/>
+          </a:fillRef>
+          <a:effectRef idx="0">
+            <a:schemeClr val="accent1"/>
+          </a:effectRef>
+          <a:fontRef idx="minor">
+            <a:schemeClr val="lt1"/>
+          </a:fontRef>
+        </p:style>
+        <p:txBody>
+          <a:bodyPr lIns="88900" tIns="88900" rIns="88900" bIns="88900" rtlCol="0" anchor="t" anchorCtr="0"/>
+          <a:lstStyle/>
+          <a:p>
+            <a:r>
+              <a:rPr lang="en-US" sz="1600" dirty="0" err="1">
+                <a:solidFill>
+                  <a:schemeClr val="tx1"/>
+                </a:solidFill>
+                <a:latin typeface="Consolas" panose="020B0609020204030204" pitchFamily="49" charset="0"/>
+                <a:cs typeface="Consolas" panose="020B0609020204030204" pitchFamily="49" charset="0"/>
+              </a:rPr>
+              <a:t>txtDTM</a:t>
+            </a:r>
+            <a:r>
+              <a:rPr lang="en-US" sz="1600" dirty="0">
+                <a:solidFill>
+                  <a:schemeClr val="tx1"/>
+                </a:solidFill>
+                <a:latin typeface="Consolas" panose="020B0609020204030204" pitchFamily="49" charset="0"/>
+                <a:cs typeface="Consolas" panose="020B0609020204030204" pitchFamily="49" charset="0"/>
+              </a:rPr>
+              <a:t> &lt;- </a:t>
+            </a:r>
+            <a:r>
+              <a:rPr lang="en-US" sz="1600" dirty="0" err="1">
+                <a:solidFill>
+                  <a:schemeClr val="tx1"/>
+                </a:solidFill>
+                <a:latin typeface="Consolas" panose="020B0609020204030204" pitchFamily="49" charset="0"/>
+                <a:cs typeface="Consolas" panose="020B0609020204030204" pitchFamily="49" charset="0"/>
+              </a:rPr>
+              <a:t>DocumentTermMatrix</a:t>
+            </a:r>
+            <a:r>
+              <a:rPr lang="en-US" sz="1600" dirty="0">
+                <a:solidFill>
+                  <a:schemeClr val="tx1"/>
+                </a:solidFill>
+                <a:latin typeface="Consolas" panose="020B0609020204030204" pitchFamily="49" charset="0"/>
+                <a:cs typeface="Consolas" panose="020B0609020204030204" pitchFamily="49" charset="0"/>
+              </a:rPr>
+              <a:t>(</a:t>
+            </a:r>
+            <a:r>
+              <a:rPr lang="en-US" sz="1600" dirty="0" err="1">
+                <a:solidFill>
+                  <a:schemeClr val="tx1"/>
+                </a:solidFill>
+                <a:latin typeface="Consolas" panose="020B0609020204030204" pitchFamily="49" charset="0"/>
+                <a:cs typeface="Consolas" panose="020B0609020204030204" pitchFamily="49" charset="0"/>
+              </a:rPr>
+              <a:t>txtCorpus</a:t>
+            </a:r>
+            <a:r>
+              <a:rPr lang="en-US" sz="1600" dirty="0">
+                <a:solidFill>
+                  <a:schemeClr val="tx1"/>
+                </a:solidFill>
+                <a:latin typeface="Consolas" panose="020B0609020204030204" pitchFamily="49" charset="0"/>
+                <a:cs typeface="Consolas" panose="020B0609020204030204" pitchFamily="49" charset="0"/>
+              </a:rPr>
+              <a:t>)</a:t>
+            </a:r>
+          </a:p>
+          <a:p>
+            <a:r>
+              <a:rPr lang="en-US" sz="1600" dirty="0" err="1">
+                <a:solidFill>
+                  <a:schemeClr val="tx1"/>
+                </a:solidFill>
+                <a:latin typeface="Consolas" panose="020B0609020204030204" pitchFamily="49" charset="0"/>
+                <a:cs typeface="Consolas" panose="020B0609020204030204" pitchFamily="49" charset="0"/>
+              </a:rPr>
+              <a:t>txtTDM</a:t>
+            </a:r>
+            <a:r>
+              <a:rPr lang="en-US" sz="1600" dirty="0">
+                <a:solidFill>
+                  <a:schemeClr val="tx1"/>
+                </a:solidFill>
+                <a:latin typeface="Consolas" panose="020B0609020204030204" pitchFamily="49" charset="0"/>
+                <a:cs typeface="Consolas" panose="020B0609020204030204" pitchFamily="49" charset="0"/>
+              </a:rPr>
+              <a:t> &lt;- </a:t>
+            </a:r>
+            <a:r>
+              <a:rPr lang="en-US" sz="1600" dirty="0" err="1">
+                <a:solidFill>
+                  <a:schemeClr val="tx1"/>
+                </a:solidFill>
+                <a:latin typeface="Consolas" panose="020B0609020204030204" pitchFamily="49" charset="0"/>
+                <a:cs typeface="Consolas" panose="020B0609020204030204" pitchFamily="49" charset="0"/>
+              </a:rPr>
+              <a:t>TermDocumentMatrix</a:t>
+            </a:r>
+            <a:r>
+              <a:rPr lang="en-US" sz="1600" dirty="0">
+                <a:solidFill>
+                  <a:schemeClr val="tx1"/>
+                </a:solidFill>
+                <a:latin typeface="Consolas" panose="020B0609020204030204" pitchFamily="49" charset="0"/>
+                <a:cs typeface="Consolas" panose="020B0609020204030204" pitchFamily="49" charset="0"/>
+              </a:rPr>
+              <a:t>(</a:t>
+            </a:r>
+            <a:r>
+              <a:rPr lang="en-US" sz="1600" dirty="0" err="1">
+                <a:solidFill>
+                  <a:schemeClr val="tx1"/>
+                </a:solidFill>
+                <a:latin typeface="Consolas" panose="020B0609020204030204" pitchFamily="49" charset="0"/>
+                <a:cs typeface="Consolas" panose="020B0609020204030204" pitchFamily="49" charset="0"/>
+              </a:rPr>
+              <a:t>txtCorpus</a:t>
+            </a:r>
+            <a:r>
+              <a:rPr lang="en-US" sz="1600" dirty="0">
+                <a:solidFill>
+                  <a:schemeClr val="tx1"/>
+                </a:solidFill>
+                <a:latin typeface="Consolas" panose="020B0609020204030204" pitchFamily="49" charset="0"/>
+                <a:cs typeface="Consolas" panose="020B0609020204030204" pitchFamily="49" charset="0"/>
+              </a:rPr>
+              <a:t>)</a:t>
+            </a:r>
+          </a:p>
+        </p:txBody>
+      </p:sp>
+      <p:sp>
+        <p:nvSpPr>
+          <p:cNvPr id="10" name="Rectangle 9">
+            <a:extLst>
+              <a:ext uri="{FF2B5EF4-FFF2-40B4-BE49-F238E27FC236}">
+                <a16:creationId xmlns:a16="http://schemas.microsoft.com/office/drawing/2014/main" id="{19889756-F100-4C4C-ADAB-79A1BBE2D7E1}"/>
+              </a:ext>
+            </a:extLst>
+          </p:cNvPr>
+          <p:cNvSpPr/>
+          <p:nvPr/>
+        </p:nvSpPr>
+        <p:spPr>
+          <a:xfrm>
+            <a:off x="365759" y="2040039"/>
+            <a:ext cx="8384103" cy="233599"/>
+          </a:xfrm>
+          <a:prstGeom prst="rect">
+            <a:avLst/>
+          </a:prstGeom>
+          <a:solidFill>
+            <a:schemeClr val="accent3"/>
+          </a:solidFill>
+          <a:ln w="9525">
+            <a:solidFill>
+              <a:schemeClr val="accent3"/>
+            </a:solidFill>
+          </a:ln>
+        </p:spPr>
+        <p:style>
+          <a:lnRef idx="2">
+            <a:schemeClr val="accent1">
+              <a:shade val="50000"/>
+            </a:schemeClr>
+          </a:lnRef>
+          <a:fillRef idx="1">
+            <a:schemeClr val="accent1"/>
+          </a:fillRef>
+          <a:effectRef idx="0">
+            <a:schemeClr val="accent1"/>
+          </a:effectRef>
+          <a:fontRef idx="minor">
+            <a:schemeClr val="lt1"/>
+          </a:fontRef>
+        </p:style>
+        <p:txBody>
+          <a:bodyPr lIns="88900" tIns="88900" rIns="88900" bIns="88900" rtlCol="0" anchor="ctr"/>
+          <a:lstStyle/>
+          <a:p>
+            <a:r>
+              <a:rPr lang="en-US" sz="1200" b="1" dirty="0">
+                <a:solidFill>
+                  <a:schemeClr val="bg1"/>
+                </a:solidFill>
+              </a:rPr>
+              <a:t>Code to Create the DTM/ and change to a matrix</a:t>
+            </a:r>
+          </a:p>
+        </p:txBody>
+      </p:sp>
+      <p:cxnSp>
+        <p:nvCxnSpPr>
+          <p:cNvPr id="11" name="Straight Connector 10">
+            <a:extLst>
+              <a:ext uri="{FF2B5EF4-FFF2-40B4-BE49-F238E27FC236}">
+                <a16:creationId xmlns:a16="http://schemas.microsoft.com/office/drawing/2014/main" id="{19799CA2-823A-6142-9FE5-623D6238D9E5}"/>
+              </a:ext>
+            </a:extLst>
+          </p:cNvPr>
+          <p:cNvCxnSpPr/>
+          <p:nvPr/>
+        </p:nvCxnSpPr>
+        <p:spPr>
+          <a:xfrm>
+            <a:off x="6798363" y="6549885"/>
+            <a:ext cx="0" cy="182880"/>
+          </a:xfrm>
+          <a:prstGeom prst="line">
+            <a:avLst/>
+          </a:prstGeom>
+          <a:ln>
+            <a:solidFill>
+              <a:schemeClr val="bg1">
+                <a:lumMod val="85000"/>
+              </a:schemeClr>
+            </a:solidFill>
+          </a:ln>
+        </p:spPr>
+        <p:style>
+          <a:lnRef idx="1">
+            <a:schemeClr val="accent1"/>
+          </a:lnRef>
+          <a:fillRef idx="0">
+            <a:schemeClr val="accent1"/>
+          </a:fillRef>
+          <a:effectRef idx="0">
+            <a:schemeClr val="accent1"/>
+          </a:effectRef>
+          <a:fontRef idx="minor">
+            <a:schemeClr val="tx1"/>
+          </a:fontRef>
+        </p:style>
+      </p:cxnSp>
+      <p:cxnSp>
+        <p:nvCxnSpPr>
+          <p:cNvPr id="12" name="Straight Connector 11">
+            <a:extLst>
+              <a:ext uri="{FF2B5EF4-FFF2-40B4-BE49-F238E27FC236}">
+                <a16:creationId xmlns:a16="http://schemas.microsoft.com/office/drawing/2014/main" id="{521E568B-9DE1-D948-A315-E53A9A919FE5}"/>
+              </a:ext>
+            </a:extLst>
+          </p:cNvPr>
+          <p:cNvCxnSpPr/>
+          <p:nvPr/>
+        </p:nvCxnSpPr>
+        <p:spPr>
+          <a:xfrm>
+            <a:off x="7076661" y="4664763"/>
+            <a:ext cx="182880" cy="0"/>
+          </a:xfrm>
+          <a:prstGeom prst="line">
+            <a:avLst/>
+          </a:prstGeom>
+          <a:ln>
+            <a:solidFill>
+              <a:schemeClr val="bg1">
+                <a:lumMod val="85000"/>
+              </a:schemeClr>
+            </a:solidFill>
+          </a:ln>
+        </p:spPr>
+        <p:style>
+          <a:lnRef idx="1">
+            <a:schemeClr val="accent1"/>
+          </a:lnRef>
+          <a:fillRef idx="0">
+            <a:schemeClr val="accent1"/>
+          </a:fillRef>
+          <a:effectRef idx="0">
+            <a:schemeClr val="accent1"/>
+          </a:effectRef>
+          <a:fontRef idx="minor">
+            <a:schemeClr val="tx1"/>
+          </a:fontRef>
+        </p:style>
+      </p:cxnSp>
+      <p:sp>
+        <p:nvSpPr>
+          <p:cNvPr id="13" name="Footer Placeholder 4">
+            <a:extLst>
+              <a:ext uri="{FF2B5EF4-FFF2-40B4-BE49-F238E27FC236}">
+                <a16:creationId xmlns:a16="http://schemas.microsoft.com/office/drawing/2014/main" id="{31B4D105-6A2F-F04D-8D4E-895813D1633A}"/>
+              </a:ext>
+            </a:extLst>
+          </p:cNvPr>
+          <p:cNvSpPr>
+            <a:spLocks noGrp="1"/>
+          </p:cNvSpPr>
+          <p:nvPr>
+            <p:ph type="ftr" sz="quarter" idx="3"/>
+          </p:nvPr>
+        </p:nvSpPr>
+        <p:spPr>
+          <a:xfrm>
+            <a:off x="3028950" y="6356351"/>
+            <a:ext cx="3086100" cy="365125"/>
+          </a:xfrm>
+        </p:spPr>
+        <p:txBody>
+          <a:bodyPr/>
+          <a:lstStyle/>
+          <a:p>
+            <a:r>
+              <a:rPr lang="en-US"/>
+              <a:t>Kwartler</a:t>
+            </a:r>
+            <a:endParaRPr lang="en-US" dirty="0"/>
+          </a:p>
+        </p:txBody>
+      </p:sp>
+    </p:spTree>
+    <p:extLst>
+      <p:ext uri="{BB962C8B-B14F-4D97-AF65-F5344CB8AC3E}">
+        <p14:creationId xmlns:p14="http://schemas.microsoft.com/office/powerpoint/2010/main" val="1987545538"/>
+      </p:ext>
+    </p:extLst>
+  </p:cSld>
+  <p:clrMapOvr>
+    <a:masterClrMapping/>
+  </p:clrMapOvr>
+</p:sld>
+</file>
+
 <file path=ppt/slides/slide18.xml><?xml version="1.0" encoding="utf-8"?>
 <p:sld xmlns:a="http://schemas.openxmlformats.org/drawingml/2006/main" xmlns:r="http://schemas.openxmlformats.org/officeDocument/2006/relationships" xmlns:p="http://schemas.openxmlformats.org/presentationml/2006/main">
   <p:cSld>
@@ -13570,7 +13354,7 @@
           <a:p>
             <a:fld id="{6700A58B-DD98-43D0-B791-721480A02982}" type="datetime1">
               <a:rPr lang="en-US" smtClean="0"/>
-              <a:t>10/10/21</a:t>
+              <a:t>1/18/22</a:t>
             </a:fld>
             <a:endParaRPr lang="en-US"/>
           </a:p>
@@ -16937,7 +16721,7 @@
           <a:p>
             <a:fld id="{6700A58B-DD98-43D0-B791-721480A02982}" type="datetime1">
               <a:rPr lang="en-US" smtClean="0"/>
-              <a:t>10/10/21</a:t>
+              <a:t>1/18/22</a:t>
             </a:fld>
             <a:endParaRPr lang="en-US"/>
           </a:p>
@@ -18930,7 +18714,7 @@
           <a:p>
             <a:fld id="{6700A58B-DD98-43D0-B791-721480A02982}" type="datetime1">
               <a:rPr lang="en-US" smtClean="0"/>
-              <a:t>10/10/21</a:t>
+              <a:t>1/18/22</a:t>
             </a:fld>
             <a:endParaRPr lang="en-US"/>
           </a:p>
@@ -19707,515 +19491,6 @@
       </p:grpSpPr>
       <p:sp>
         <p:nvSpPr>
-          <p:cNvPr id="3" name="Title 2">
-            <a:extLst>
-              <a:ext uri="{FF2B5EF4-FFF2-40B4-BE49-F238E27FC236}">
-                <a16:creationId xmlns:a16="http://schemas.microsoft.com/office/drawing/2014/main" id="{2F061A48-CB41-4DDC-B8B9-5FFA68FF2634}"/>
-              </a:ext>
-            </a:extLst>
-          </p:cNvPr>
-          <p:cNvSpPr txBox="1">
-            <a:spLocks/>
-          </p:cNvSpPr>
-          <p:nvPr/>
-        </p:nvSpPr>
-        <p:spPr>
-          <a:xfrm>
-            <a:off x="628650" y="365126"/>
-            <a:ext cx="7886700" cy="591477"/>
-          </a:xfrm>
-          <a:prstGeom prst="rect">
-            <a:avLst/>
-          </a:prstGeom>
-        </p:spPr>
-        <p:txBody>
-          <a:bodyPr/>
-          <a:lstStyle>
-            <a:lvl1pPr algn="l" defTabSz="685800" rtl="0" eaLnBrk="1" latinLnBrk="0" hangingPunct="1">
-              <a:lnSpc>
-                <a:spcPct val="90000"/>
-              </a:lnSpc>
-              <a:spcBef>
-                <a:spcPct val="0"/>
-              </a:spcBef>
-              <a:buNone/>
-              <a:defRPr sz="3300" kern="1200">
-                <a:solidFill>
-                  <a:schemeClr val="tx1"/>
-                </a:solidFill>
-                <a:latin typeface="+mj-lt"/>
-                <a:ea typeface="+mj-ea"/>
-                <a:cs typeface="+mj-cs"/>
-              </a:defRPr>
-            </a:lvl1pPr>
-          </a:lstStyle>
-          <a:p>
-            <a:r>
-              <a:rPr lang="en-US" sz="2800" dirty="0"/>
-              <a:t>Let’s practice! Open ﻿</a:t>
-            </a:r>
-            <a:r>
-              <a:rPr lang="en-US" sz="2800" dirty="0" err="1"/>
-              <a:t>B_textOrg_DTM_Freq.R</a:t>
-            </a:r>
-            <a:endParaRPr lang="en-US" sz="2800" dirty="0"/>
-          </a:p>
-        </p:txBody>
-      </p:sp>
-      <p:sp>
-        <p:nvSpPr>
-          <p:cNvPr id="6" name="Date Placeholder 1">
-            <a:extLst>
-              <a:ext uri="{FF2B5EF4-FFF2-40B4-BE49-F238E27FC236}">
-                <a16:creationId xmlns:a16="http://schemas.microsoft.com/office/drawing/2014/main" id="{A5024E83-7248-49C6-83CE-0C52F416FEF7}"/>
-              </a:ext>
-            </a:extLst>
-          </p:cNvPr>
-          <p:cNvSpPr>
-            <a:spLocks noGrp="1"/>
-          </p:cNvSpPr>
-          <p:nvPr>
-            <p:ph type="dt" sz="half" idx="10"/>
-          </p:nvPr>
-        </p:nvSpPr>
-        <p:spPr>
-          <a:xfrm>
-            <a:off x="628650" y="6356351"/>
-            <a:ext cx="2057400" cy="365125"/>
-          </a:xfrm>
-        </p:spPr>
-        <p:txBody>
-          <a:bodyPr/>
-          <a:lstStyle/>
-          <a:p>
-            <a:fld id="{6700A58B-DD98-43D0-B791-721480A02982}" type="datetime1">
-              <a:rPr lang="en-US" smtClean="0"/>
-              <a:t>10/10/21</a:t>
-            </a:fld>
-            <a:endParaRPr lang="en-US"/>
-          </a:p>
-        </p:txBody>
-      </p:sp>
-      <p:sp>
-        <p:nvSpPr>
-          <p:cNvPr id="7" name="Slide Number Placeholder 3">
-            <a:extLst>
-              <a:ext uri="{FF2B5EF4-FFF2-40B4-BE49-F238E27FC236}">
-                <a16:creationId xmlns:a16="http://schemas.microsoft.com/office/drawing/2014/main" id="{269E8134-5ACB-40D1-8C0C-86324C8FEF4A}"/>
-              </a:ext>
-            </a:extLst>
-          </p:cNvPr>
-          <p:cNvSpPr>
-            <a:spLocks noGrp="1"/>
-          </p:cNvSpPr>
-          <p:nvPr>
-            <p:ph type="sldNum" sz="quarter" idx="12"/>
-          </p:nvPr>
-        </p:nvSpPr>
-        <p:spPr>
-          <a:xfrm>
-            <a:off x="6457950" y="6356351"/>
-            <a:ext cx="857250" cy="365125"/>
-          </a:xfrm>
-        </p:spPr>
-        <p:txBody>
-          <a:bodyPr/>
-          <a:lstStyle/>
-          <a:p>
-            <a:fld id="{37290FF7-652B-4475-AEAB-8B1A5D23AE09}" type="slidenum">
-              <a:rPr lang="en-US" smtClean="0"/>
-              <a:t>20</a:t>
-            </a:fld>
-            <a:endParaRPr lang="en-US"/>
-          </a:p>
-        </p:txBody>
-      </p:sp>
-      <p:sp>
-        <p:nvSpPr>
-          <p:cNvPr id="8" name="Rectangle 7">
-            <a:extLst>
-              <a:ext uri="{FF2B5EF4-FFF2-40B4-BE49-F238E27FC236}">
-                <a16:creationId xmlns:a16="http://schemas.microsoft.com/office/drawing/2014/main" id="{5CCC3125-0793-4764-A090-AAD0A322BE20}"/>
-              </a:ext>
-            </a:extLst>
-          </p:cNvPr>
-          <p:cNvSpPr/>
-          <p:nvPr/>
-        </p:nvSpPr>
-        <p:spPr>
-          <a:xfrm>
-            <a:off x="365760" y="2282915"/>
-            <a:ext cx="8399868" cy="726926"/>
-          </a:xfrm>
-          <a:prstGeom prst="rect">
-            <a:avLst/>
-          </a:prstGeom>
-          <a:solidFill>
-            <a:schemeClr val="bg1"/>
-          </a:solidFill>
-          <a:ln w="9525">
-            <a:solidFill>
-              <a:schemeClr val="bg2"/>
-            </a:solidFill>
-          </a:ln>
-        </p:spPr>
-        <p:style>
-          <a:lnRef idx="2">
-            <a:schemeClr val="accent1">
-              <a:shade val="50000"/>
-            </a:schemeClr>
-          </a:lnRef>
-          <a:fillRef idx="1">
-            <a:schemeClr val="accent1"/>
-          </a:fillRef>
-          <a:effectRef idx="0">
-            <a:schemeClr val="accent1"/>
-          </a:effectRef>
-          <a:fontRef idx="minor">
-            <a:schemeClr val="lt1"/>
-          </a:fontRef>
-        </p:style>
-        <p:txBody>
-          <a:bodyPr lIns="88900" tIns="88900" rIns="88900" bIns="88900" rtlCol="0" anchor="t" anchorCtr="0"/>
-          <a:lstStyle/>
-          <a:p>
-            <a:r>
-              <a:rPr lang="en-US" sz="1600" dirty="0" err="1">
-                <a:solidFill>
-                  <a:schemeClr val="tx1"/>
-                </a:solidFill>
-                <a:latin typeface="Consolas" panose="020B0609020204030204" pitchFamily="49" charset="0"/>
-                <a:cs typeface="Consolas" panose="020B0609020204030204" pitchFamily="49" charset="0"/>
-              </a:rPr>
-              <a:t>txtDTM</a:t>
-            </a:r>
-            <a:r>
-              <a:rPr lang="en-US" sz="1600" dirty="0">
-                <a:solidFill>
-                  <a:schemeClr val="tx1"/>
-                </a:solidFill>
-                <a:latin typeface="Consolas" panose="020B0609020204030204" pitchFamily="49" charset="0"/>
-                <a:cs typeface="Consolas" panose="020B0609020204030204" pitchFamily="49" charset="0"/>
-              </a:rPr>
-              <a:t> &lt;- </a:t>
-            </a:r>
-            <a:r>
-              <a:rPr lang="en-US" sz="1600" dirty="0" err="1">
-                <a:solidFill>
-                  <a:schemeClr val="tx1"/>
-                </a:solidFill>
-                <a:latin typeface="Consolas" panose="020B0609020204030204" pitchFamily="49" charset="0"/>
-                <a:cs typeface="Consolas" panose="020B0609020204030204" pitchFamily="49" charset="0"/>
-              </a:rPr>
-              <a:t>DocumentTermMatrix</a:t>
-            </a:r>
-            <a:r>
-              <a:rPr lang="en-US" sz="1600" dirty="0">
-                <a:solidFill>
-                  <a:schemeClr val="tx1"/>
-                </a:solidFill>
-                <a:latin typeface="Consolas" panose="020B0609020204030204" pitchFamily="49" charset="0"/>
-                <a:cs typeface="Consolas" panose="020B0609020204030204" pitchFamily="49" charset="0"/>
-              </a:rPr>
-              <a:t>(</a:t>
-            </a:r>
-            <a:r>
-              <a:rPr lang="en-US" sz="1600" dirty="0" err="1">
-                <a:solidFill>
-                  <a:schemeClr val="tx1"/>
-                </a:solidFill>
-                <a:latin typeface="Consolas" panose="020B0609020204030204" pitchFamily="49" charset="0"/>
-                <a:cs typeface="Consolas" panose="020B0609020204030204" pitchFamily="49" charset="0"/>
-              </a:rPr>
-              <a:t>txtCorpus</a:t>
-            </a:r>
-            <a:r>
-              <a:rPr lang="en-US" sz="1600" dirty="0">
-                <a:solidFill>
-                  <a:schemeClr val="tx1"/>
-                </a:solidFill>
-                <a:latin typeface="Consolas" panose="020B0609020204030204" pitchFamily="49" charset="0"/>
-                <a:cs typeface="Consolas" panose="020B0609020204030204" pitchFamily="49" charset="0"/>
-              </a:rPr>
-              <a:t>)</a:t>
-            </a:r>
-          </a:p>
-          <a:p>
-            <a:r>
-              <a:rPr lang="en-US" sz="1600" dirty="0" err="1">
-                <a:solidFill>
-                  <a:schemeClr val="tx1"/>
-                </a:solidFill>
-                <a:latin typeface="Consolas" panose="020B0609020204030204" pitchFamily="49" charset="0"/>
-                <a:cs typeface="Consolas" panose="020B0609020204030204" pitchFamily="49" charset="0"/>
-              </a:rPr>
-              <a:t>txtTDM</a:t>
-            </a:r>
-            <a:r>
-              <a:rPr lang="en-US" sz="1600" dirty="0">
-                <a:solidFill>
-                  <a:schemeClr val="tx1"/>
-                </a:solidFill>
-                <a:latin typeface="Consolas" panose="020B0609020204030204" pitchFamily="49" charset="0"/>
-                <a:cs typeface="Consolas" panose="020B0609020204030204" pitchFamily="49" charset="0"/>
-              </a:rPr>
-              <a:t> &lt;- </a:t>
-            </a:r>
-            <a:r>
-              <a:rPr lang="en-US" sz="1600" dirty="0" err="1">
-                <a:solidFill>
-                  <a:schemeClr val="tx1"/>
-                </a:solidFill>
-                <a:latin typeface="Consolas" panose="020B0609020204030204" pitchFamily="49" charset="0"/>
-                <a:cs typeface="Consolas" panose="020B0609020204030204" pitchFamily="49" charset="0"/>
-              </a:rPr>
-              <a:t>TermDocumentMatrix</a:t>
-            </a:r>
-            <a:r>
-              <a:rPr lang="en-US" sz="1600" dirty="0">
-                <a:solidFill>
-                  <a:schemeClr val="tx1"/>
-                </a:solidFill>
-                <a:latin typeface="Consolas" panose="020B0609020204030204" pitchFamily="49" charset="0"/>
-                <a:cs typeface="Consolas" panose="020B0609020204030204" pitchFamily="49" charset="0"/>
-              </a:rPr>
-              <a:t>(</a:t>
-            </a:r>
-            <a:r>
-              <a:rPr lang="en-US" sz="1600" dirty="0" err="1">
-                <a:solidFill>
-                  <a:schemeClr val="tx1"/>
-                </a:solidFill>
-                <a:latin typeface="Consolas" panose="020B0609020204030204" pitchFamily="49" charset="0"/>
-                <a:cs typeface="Consolas" panose="020B0609020204030204" pitchFamily="49" charset="0"/>
-              </a:rPr>
-              <a:t>txtCorpus</a:t>
-            </a:r>
-            <a:r>
-              <a:rPr lang="en-US" sz="1600" dirty="0">
-                <a:solidFill>
-                  <a:schemeClr val="tx1"/>
-                </a:solidFill>
-                <a:latin typeface="Consolas" panose="020B0609020204030204" pitchFamily="49" charset="0"/>
-                <a:cs typeface="Consolas" panose="020B0609020204030204" pitchFamily="49" charset="0"/>
-              </a:rPr>
-              <a:t>)</a:t>
-            </a:r>
-          </a:p>
-        </p:txBody>
-      </p:sp>
-      <p:sp>
-        <p:nvSpPr>
-          <p:cNvPr id="10" name="Rectangle 9">
-            <a:extLst>
-              <a:ext uri="{FF2B5EF4-FFF2-40B4-BE49-F238E27FC236}">
-                <a16:creationId xmlns:a16="http://schemas.microsoft.com/office/drawing/2014/main" id="{19889756-F100-4C4C-ADAB-79A1BBE2D7E1}"/>
-              </a:ext>
-            </a:extLst>
-          </p:cNvPr>
-          <p:cNvSpPr/>
-          <p:nvPr/>
-        </p:nvSpPr>
-        <p:spPr>
-          <a:xfrm>
-            <a:off x="365759" y="2040039"/>
-            <a:ext cx="8384103" cy="233599"/>
-          </a:xfrm>
-          <a:prstGeom prst="rect">
-            <a:avLst/>
-          </a:prstGeom>
-          <a:solidFill>
-            <a:schemeClr val="accent3"/>
-          </a:solidFill>
-          <a:ln w="9525">
-            <a:solidFill>
-              <a:schemeClr val="accent3"/>
-            </a:solidFill>
-          </a:ln>
-        </p:spPr>
-        <p:style>
-          <a:lnRef idx="2">
-            <a:schemeClr val="accent1">
-              <a:shade val="50000"/>
-            </a:schemeClr>
-          </a:lnRef>
-          <a:fillRef idx="1">
-            <a:schemeClr val="accent1"/>
-          </a:fillRef>
-          <a:effectRef idx="0">
-            <a:schemeClr val="accent1"/>
-          </a:effectRef>
-          <a:fontRef idx="minor">
-            <a:schemeClr val="lt1"/>
-          </a:fontRef>
-        </p:style>
-        <p:txBody>
-          <a:bodyPr lIns="88900" tIns="88900" rIns="88900" bIns="88900" rtlCol="0" anchor="ctr"/>
-          <a:lstStyle/>
-          <a:p>
-            <a:r>
-              <a:rPr lang="en-US" sz="1200" b="1" dirty="0">
-                <a:solidFill>
-                  <a:schemeClr val="bg1"/>
-                </a:solidFill>
-              </a:rPr>
-              <a:t>Code to Create the DTM/ and change to a matrix</a:t>
-            </a:r>
-          </a:p>
-        </p:txBody>
-      </p:sp>
-      <p:cxnSp>
-        <p:nvCxnSpPr>
-          <p:cNvPr id="11" name="Straight Connector 10">
-            <a:extLst>
-              <a:ext uri="{FF2B5EF4-FFF2-40B4-BE49-F238E27FC236}">
-                <a16:creationId xmlns:a16="http://schemas.microsoft.com/office/drawing/2014/main" id="{19799CA2-823A-6142-9FE5-623D6238D9E5}"/>
-              </a:ext>
-            </a:extLst>
-          </p:cNvPr>
-          <p:cNvCxnSpPr/>
-          <p:nvPr/>
-        </p:nvCxnSpPr>
-        <p:spPr>
-          <a:xfrm>
-            <a:off x="6798363" y="6549885"/>
-            <a:ext cx="0" cy="182880"/>
-          </a:xfrm>
-          <a:prstGeom prst="line">
-            <a:avLst/>
-          </a:prstGeom>
-          <a:ln>
-            <a:solidFill>
-              <a:schemeClr val="bg1">
-                <a:lumMod val="85000"/>
-              </a:schemeClr>
-            </a:solidFill>
-          </a:ln>
-        </p:spPr>
-        <p:style>
-          <a:lnRef idx="1">
-            <a:schemeClr val="accent1"/>
-          </a:lnRef>
-          <a:fillRef idx="0">
-            <a:schemeClr val="accent1"/>
-          </a:fillRef>
-          <a:effectRef idx="0">
-            <a:schemeClr val="accent1"/>
-          </a:effectRef>
-          <a:fontRef idx="minor">
-            <a:schemeClr val="tx1"/>
-          </a:fontRef>
-        </p:style>
-      </p:cxnSp>
-      <p:cxnSp>
-        <p:nvCxnSpPr>
-          <p:cNvPr id="12" name="Straight Connector 11">
-            <a:extLst>
-              <a:ext uri="{FF2B5EF4-FFF2-40B4-BE49-F238E27FC236}">
-                <a16:creationId xmlns:a16="http://schemas.microsoft.com/office/drawing/2014/main" id="{521E568B-9DE1-D948-A315-E53A9A919FE5}"/>
-              </a:ext>
-            </a:extLst>
-          </p:cNvPr>
-          <p:cNvCxnSpPr/>
-          <p:nvPr/>
-        </p:nvCxnSpPr>
-        <p:spPr>
-          <a:xfrm>
-            <a:off x="7076661" y="4664763"/>
-            <a:ext cx="182880" cy="0"/>
-          </a:xfrm>
-          <a:prstGeom prst="line">
-            <a:avLst/>
-          </a:prstGeom>
-          <a:ln>
-            <a:solidFill>
-              <a:schemeClr val="bg1">
-                <a:lumMod val="85000"/>
-              </a:schemeClr>
-            </a:solidFill>
-          </a:ln>
-        </p:spPr>
-        <p:style>
-          <a:lnRef idx="1">
-            <a:schemeClr val="accent1"/>
-          </a:lnRef>
-          <a:fillRef idx="0">
-            <a:schemeClr val="accent1"/>
-          </a:fillRef>
-          <a:effectRef idx="0">
-            <a:schemeClr val="accent1"/>
-          </a:effectRef>
-          <a:fontRef idx="minor">
-            <a:schemeClr val="tx1"/>
-          </a:fontRef>
-        </p:style>
-      </p:cxnSp>
-      <p:sp>
-        <p:nvSpPr>
-          <p:cNvPr id="13" name="Footer Placeholder 4">
-            <a:extLst>
-              <a:ext uri="{FF2B5EF4-FFF2-40B4-BE49-F238E27FC236}">
-                <a16:creationId xmlns:a16="http://schemas.microsoft.com/office/drawing/2014/main" id="{31B4D105-6A2F-F04D-8D4E-895813D1633A}"/>
-              </a:ext>
-            </a:extLst>
-          </p:cNvPr>
-          <p:cNvSpPr>
-            <a:spLocks noGrp="1"/>
-          </p:cNvSpPr>
-          <p:nvPr>
-            <p:ph type="ftr" sz="quarter" idx="3"/>
-          </p:nvPr>
-        </p:nvSpPr>
-        <p:spPr>
-          <a:xfrm>
-            <a:off x="3028950" y="6356351"/>
-            <a:ext cx="3086100" cy="365125"/>
-          </a:xfrm>
-        </p:spPr>
-        <p:txBody>
-          <a:bodyPr/>
-          <a:lstStyle/>
-          <a:p>
-            <a:r>
-              <a:rPr lang="en-US"/>
-              <a:t>Kwartler</a:t>
-            </a:r>
-            <a:endParaRPr lang="en-US" dirty="0"/>
-          </a:p>
-        </p:txBody>
-      </p:sp>
-    </p:spTree>
-    <p:extLst>
-      <p:ext uri="{BB962C8B-B14F-4D97-AF65-F5344CB8AC3E}">
-        <p14:creationId xmlns:p14="http://schemas.microsoft.com/office/powerpoint/2010/main" val="1987545538"/>
-      </p:ext>
-    </p:extLst>
-  </p:cSld>
-  <p:clrMapOvr>
-    <a:masterClrMapping/>
-  </p:clrMapOvr>
-</p:sld>
-</file>
-
-<file path=ppt/slides/slide21.xml><?xml version="1.0" encoding="utf-8"?>
-<p:sld xmlns:a="http://schemas.openxmlformats.org/drawingml/2006/main" xmlns:r="http://schemas.openxmlformats.org/officeDocument/2006/relationships" xmlns:p="http://schemas.openxmlformats.org/presentationml/2006/main">
-  <p:cSld>
-    <p:spTree>
-      <p:nvGrpSpPr>
-        <p:cNvPr id="1" name=""/>
-        <p:cNvGrpSpPr/>
-        <p:nvPr/>
-      </p:nvGrpSpPr>
-      <p:grpSpPr>
-        <a:xfrm>
-          <a:off x="0" y="0"/>
-          <a:ext cx="0" cy="0"/>
-          <a:chOff x="0" y="0"/>
-          <a:chExt cx="0" cy="0"/>
-        </a:xfrm>
-      </p:grpSpPr>
-      <p:sp>
-        <p:nvSpPr>
           <p:cNvPr id="2" name="Date Placeholder 1"/>
           <p:cNvSpPr>
             <a:spLocks noGrp="1"/>
@@ -20231,7 +19506,7 @@
           <a:p>
             <a:fld id="{6700A58B-DD98-43D0-B791-721480A02982}" type="datetime1">
               <a:rPr lang="en-US" smtClean="0"/>
-              <a:t>10/10/21</a:t>
+              <a:t>1/18/22</a:t>
             </a:fld>
             <a:endParaRPr lang="en-US"/>
           </a:p>
@@ -20276,7 +19551,7 @@
           <a:p>
             <a:fld id="{37290FF7-652B-4475-AEAB-8B1A5D23AE09}" type="slidenum">
               <a:rPr lang="en-US" smtClean="0"/>
-              <a:t>21</a:t>
+              <a:t>20</a:t>
             </a:fld>
             <a:endParaRPr lang="en-US"/>
           </a:p>
@@ -20506,7 +19781,7 @@
           <a:p>
             <a:fld id="{6700A58B-DD98-43D0-B791-721480A02982}" type="datetime1">
               <a:rPr lang="en-US" smtClean="0"/>
-              <a:t>10/10/21</a:t>
+              <a:t>1/18/22</a:t>
             </a:fld>
             <a:endParaRPr lang="en-US"/>
           </a:p>
@@ -21573,7 +20848,7 @@
             <a:fld id="{6700A58B-DD98-43D0-B791-721480A02982}" type="datetime1">
               <a:rPr lang="en-US" smtClean="0"/>
               <a:pPr/>
-              <a:t>10/10/21</a:t>
+              <a:t>1/18/22</a:t>
             </a:fld>
             <a:endParaRPr lang="en-US"/>
           </a:p>
@@ -23762,7 +23037,7 @@
             <a:fld id="{6700A58B-DD98-43D0-B791-721480A02982}" type="datetime1">
               <a:rPr lang="en-US" smtClean="0"/>
               <a:pPr/>
-              <a:t>10/10/21</a:t>
+              <a:t>1/18/22</a:t>
             </a:fld>
             <a:endParaRPr lang="en-US"/>
           </a:p>
@@ -26369,7 +25644,7 @@
             <a:fld id="{6700A58B-DD98-43D0-B791-721480A02982}" type="datetime1">
               <a:rPr lang="en-US" smtClean="0"/>
               <a:pPr/>
-              <a:t>10/10/21</a:t>
+              <a:t>1/18/22</a:t>
             </a:fld>
             <a:endParaRPr lang="en-US"/>
           </a:p>
@@ -27403,7 +26678,7 @@
             <a:fld id="{6700A58B-DD98-43D0-B791-721480A02982}" type="datetime1">
               <a:rPr lang="en-US" smtClean="0"/>
               <a:pPr/>
-              <a:t>10/10/21</a:t>
+              <a:t>1/18/22</a:t>
             </a:fld>
             <a:endParaRPr lang="en-US"/>
           </a:p>
@@ -28576,7 +27851,7 @@
             <a:fld id="{6700A58B-DD98-43D0-B791-721480A02982}" type="datetime1">
               <a:rPr lang="en-US" smtClean="0"/>
               <a:pPr/>
-              <a:t>10/10/21</a:t>
+              <a:t>1/18/22</a:t>
             </a:fld>
             <a:endParaRPr lang="en-US"/>
           </a:p>
@@ -29266,7 +28541,7 @@
           <a:p>
             <a:fld id="{6700A58B-DD98-43D0-B791-721480A02982}" type="datetime1">
               <a:rPr lang="en-US" smtClean="0"/>
-              <a:t>10/10/21</a:t>
+              <a:t>1/18/22</a:t>
             </a:fld>
             <a:endParaRPr lang="en-US"/>
           </a:p>
@@ -29284,8 +28559,8 @@
         </p:nvSpPr>
         <p:spPr>
           <a:xfrm>
-            <a:off x="0" y="365126"/>
-            <a:ext cx="8515350" cy="591477"/>
+            <a:off x="224851" y="365126"/>
+            <a:ext cx="8661973" cy="591477"/>
           </a:xfrm>
         </p:spPr>
         <p:txBody>
@@ -29293,8 +28568,8 @@
           <a:lstStyle/>
           <a:p>
             <a:r>
-              <a:rPr lang="en-US" dirty="0"/>
-              <a:t>Poor Man’s Lemmatization (more to come later)</a:t>
+              <a:rPr lang="en-US" sz="2800" dirty="0"/>
+              <a:t>Custom Functions in this class</a:t>
             </a:r>
           </a:p>
         </p:txBody>
@@ -29322,35 +28597,302 @@
           </a:p>
         </p:txBody>
       </p:sp>
-      <p:pic>
-        <p:nvPicPr>
-          <p:cNvPr id="6" name="Picture 5"/>
-          <p:cNvPicPr>
-            <a:picLocks noChangeAspect="1"/>
-          </p:cNvPicPr>
+      <p:sp>
+        <p:nvSpPr>
+          <p:cNvPr id="6" name="Rectangle 5"/>
+          <p:cNvSpPr/>
           <p:nvPr/>
-        </p:nvPicPr>
-        <p:blipFill>
-          <a:blip r:embed="rId2"/>
-          <a:stretch>
-            <a:fillRect/>
-          </a:stretch>
-        </p:blipFill>
+        </p:nvSpPr>
         <p:spPr>
           <a:xfrm>
-            <a:off x="598170" y="1693532"/>
-            <a:ext cx="3174683" cy="2793721"/>
+            <a:off x="366877" y="2410048"/>
+            <a:ext cx="4572000" cy="1938992"/>
           </a:xfrm>
           <a:prstGeom prst="rect">
             <a:avLst/>
           </a:prstGeom>
-          <a:ln>
-            <a:solidFill>
-              <a:schemeClr val="tx1"/>
-            </a:solidFill>
-          </a:ln>
+          <a:solidFill>
+            <a:schemeClr val="bg1">
+              <a:lumMod val="85000"/>
+            </a:schemeClr>
+          </a:solidFill>
         </p:spPr>
-      </p:pic>
+        <p:txBody>
+          <a:bodyPr>
+            <a:spAutoFit/>
+          </a:bodyPr>
+          <a:lstStyle/>
+          <a:p>
+            <a:pPr defTabSz="457200"/>
+            <a:r>
+              <a:rPr lang="en-US" sz="1200" kern="1200" dirty="0" err="1">
+                <a:solidFill>
+                  <a:prstClr val="black"/>
+                </a:solidFill>
+                <a:latin typeface="Consolas" panose="020B0609020204030204" pitchFamily="49" charset="0"/>
+                <a:ea typeface="Arial Unicode MS" panose="020B0604020202020204" pitchFamily="34" charset="-128"/>
+                <a:cs typeface="Consolas" panose="020B0609020204030204" pitchFamily="49" charset="0"/>
+              </a:rPr>
+              <a:t>tryTolower</a:t>
+            </a:r>
+            <a:r>
+              <a:rPr lang="en-US" sz="1200" kern="1200" dirty="0">
+                <a:solidFill>
+                  <a:prstClr val="black"/>
+                </a:solidFill>
+                <a:latin typeface="Consolas" panose="020B0609020204030204" pitchFamily="49" charset="0"/>
+                <a:ea typeface="Arial Unicode MS" panose="020B0604020202020204" pitchFamily="34" charset="-128"/>
+                <a:cs typeface="Consolas" panose="020B0609020204030204" pitchFamily="49" charset="0"/>
+              </a:rPr>
+              <a:t> &lt;- function(x){</a:t>
+            </a:r>
+          </a:p>
+          <a:p>
+            <a:pPr defTabSz="457200"/>
+            <a:r>
+              <a:rPr lang="en-US" sz="1200" kern="1200" dirty="0">
+                <a:solidFill>
+                  <a:prstClr val="black"/>
+                </a:solidFill>
+                <a:latin typeface="Consolas" panose="020B0609020204030204" pitchFamily="49" charset="0"/>
+                <a:ea typeface="Arial Unicode MS" panose="020B0604020202020204" pitchFamily="34" charset="-128"/>
+                <a:cs typeface="Consolas" panose="020B0609020204030204" pitchFamily="49" charset="0"/>
+              </a:rPr>
+              <a:t>  # return NA when there is an error</a:t>
+            </a:r>
+          </a:p>
+          <a:p>
+            <a:pPr defTabSz="457200"/>
+            <a:r>
+              <a:rPr lang="en-US" sz="1200" kern="1200" dirty="0">
+                <a:solidFill>
+                  <a:prstClr val="black"/>
+                </a:solidFill>
+                <a:latin typeface="Consolas" panose="020B0609020204030204" pitchFamily="49" charset="0"/>
+                <a:ea typeface="Arial Unicode MS" panose="020B0604020202020204" pitchFamily="34" charset="-128"/>
+                <a:cs typeface="Consolas" panose="020B0609020204030204" pitchFamily="49" charset="0"/>
+              </a:rPr>
+              <a:t>  y = NA</a:t>
+            </a:r>
+          </a:p>
+          <a:p>
+            <a:pPr defTabSz="457200"/>
+            <a:r>
+              <a:rPr lang="en-US" sz="1200" kern="1200" dirty="0">
+                <a:solidFill>
+                  <a:prstClr val="black"/>
+                </a:solidFill>
+                <a:latin typeface="Consolas" panose="020B0609020204030204" pitchFamily="49" charset="0"/>
+                <a:ea typeface="Arial Unicode MS" panose="020B0604020202020204" pitchFamily="34" charset="-128"/>
+                <a:cs typeface="Consolas" panose="020B0609020204030204" pitchFamily="49" charset="0"/>
+              </a:rPr>
+              <a:t>  # </a:t>
+            </a:r>
+            <a:r>
+              <a:rPr lang="en-US" sz="1200" kern="1200" dirty="0" err="1">
+                <a:solidFill>
+                  <a:prstClr val="black"/>
+                </a:solidFill>
+                <a:latin typeface="Consolas" panose="020B0609020204030204" pitchFamily="49" charset="0"/>
+                <a:ea typeface="Arial Unicode MS" panose="020B0604020202020204" pitchFamily="34" charset="-128"/>
+                <a:cs typeface="Consolas" panose="020B0609020204030204" pitchFamily="49" charset="0"/>
+              </a:rPr>
+              <a:t>tryCatch</a:t>
+            </a:r>
+            <a:r>
+              <a:rPr lang="en-US" sz="1200" kern="1200" dirty="0">
+                <a:solidFill>
+                  <a:prstClr val="black"/>
+                </a:solidFill>
+                <a:latin typeface="Consolas" panose="020B0609020204030204" pitchFamily="49" charset="0"/>
+                <a:ea typeface="Arial Unicode MS" panose="020B0604020202020204" pitchFamily="34" charset="-128"/>
+                <a:cs typeface="Consolas" panose="020B0609020204030204" pitchFamily="49" charset="0"/>
+              </a:rPr>
+              <a:t> error</a:t>
+            </a:r>
+          </a:p>
+          <a:p>
+            <a:pPr defTabSz="457200"/>
+            <a:r>
+              <a:rPr lang="en-US" sz="1200" kern="1200" dirty="0">
+                <a:solidFill>
+                  <a:prstClr val="black"/>
+                </a:solidFill>
+                <a:latin typeface="Consolas" panose="020B0609020204030204" pitchFamily="49" charset="0"/>
+                <a:ea typeface="Arial Unicode MS" panose="020B0604020202020204" pitchFamily="34" charset="-128"/>
+                <a:cs typeface="Consolas" panose="020B0609020204030204" pitchFamily="49" charset="0"/>
+              </a:rPr>
+              <a:t>  </a:t>
+            </a:r>
+            <a:r>
+              <a:rPr lang="en-US" sz="1200" kern="1200" dirty="0" err="1">
+                <a:solidFill>
+                  <a:prstClr val="black"/>
+                </a:solidFill>
+                <a:latin typeface="Consolas" panose="020B0609020204030204" pitchFamily="49" charset="0"/>
+                <a:ea typeface="Arial Unicode MS" panose="020B0604020202020204" pitchFamily="34" charset="-128"/>
+                <a:cs typeface="Consolas" panose="020B0609020204030204" pitchFamily="49" charset="0"/>
+              </a:rPr>
+              <a:t>try_error</a:t>
+            </a:r>
+            <a:r>
+              <a:rPr lang="en-US" sz="1200" kern="1200" dirty="0">
+                <a:solidFill>
+                  <a:prstClr val="black"/>
+                </a:solidFill>
+                <a:latin typeface="Consolas" panose="020B0609020204030204" pitchFamily="49" charset="0"/>
+                <a:ea typeface="Arial Unicode MS" panose="020B0604020202020204" pitchFamily="34" charset="-128"/>
+                <a:cs typeface="Consolas" panose="020B0609020204030204" pitchFamily="49" charset="0"/>
+              </a:rPr>
+              <a:t> = </a:t>
+            </a:r>
+            <a:r>
+              <a:rPr lang="en-US" sz="1200" kern="1200" dirty="0" err="1">
+                <a:solidFill>
+                  <a:prstClr val="black"/>
+                </a:solidFill>
+                <a:latin typeface="Consolas" panose="020B0609020204030204" pitchFamily="49" charset="0"/>
+                <a:ea typeface="Arial Unicode MS" panose="020B0604020202020204" pitchFamily="34" charset="-128"/>
+                <a:cs typeface="Consolas" panose="020B0609020204030204" pitchFamily="49" charset="0"/>
+              </a:rPr>
+              <a:t>tryCatch</a:t>
+            </a:r>
+            <a:r>
+              <a:rPr lang="en-US" sz="1200" kern="1200" dirty="0">
+                <a:solidFill>
+                  <a:prstClr val="black"/>
+                </a:solidFill>
+                <a:latin typeface="Consolas" panose="020B0609020204030204" pitchFamily="49" charset="0"/>
+                <a:ea typeface="Arial Unicode MS" panose="020B0604020202020204" pitchFamily="34" charset="-128"/>
+                <a:cs typeface="Consolas" panose="020B0609020204030204" pitchFamily="49" charset="0"/>
+              </a:rPr>
+              <a:t>(</a:t>
+            </a:r>
+            <a:r>
+              <a:rPr lang="en-US" sz="1200" kern="1200" dirty="0" err="1">
+                <a:solidFill>
+                  <a:prstClr val="black"/>
+                </a:solidFill>
+                <a:latin typeface="Consolas" panose="020B0609020204030204" pitchFamily="49" charset="0"/>
+                <a:ea typeface="Arial Unicode MS" panose="020B0604020202020204" pitchFamily="34" charset="-128"/>
+                <a:cs typeface="Consolas" panose="020B0609020204030204" pitchFamily="49" charset="0"/>
+              </a:rPr>
+              <a:t>tolower</a:t>
+            </a:r>
+            <a:r>
+              <a:rPr lang="en-US" sz="1200" kern="1200" dirty="0">
+                <a:solidFill>
+                  <a:prstClr val="black"/>
+                </a:solidFill>
+                <a:latin typeface="Consolas" panose="020B0609020204030204" pitchFamily="49" charset="0"/>
+                <a:ea typeface="Arial Unicode MS" panose="020B0604020202020204" pitchFamily="34" charset="-128"/>
+                <a:cs typeface="Consolas" panose="020B0609020204030204" pitchFamily="49" charset="0"/>
+              </a:rPr>
+              <a:t>(x), error = function(e) e)</a:t>
+            </a:r>
+          </a:p>
+          <a:p>
+            <a:pPr defTabSz="457200"/>
+            <a:r>
+              <a:rPr lang="en-US" sz="1200" kern="1200" dirty="0">
+                <a:solidFill>
+                  <a:prstClr val="black"/>
+                </a:solidFill>
+                <a:latin typeface="Consolas" panose="020B0609020204030204" pitchFamily="49" charset="0"/>
+                <a:ea typeface="Arial Unicode MS" panose="020B0604020202020204" pitchFamily="34" charset="-128"/>
+                <a:cs typeface="Consolas" panose="020B0609020204030204" pitchFamily="49" charset="0"/>
+              </a:rPr>
+              <a:t>  # if not an error</a:t>
+            </a:r>
+          </a:p>
+          <a:p>
+            <a:pPr defTabSz="457200"/>
+            <a:r>
+              <a:rPr lang="en-US" sz="1200" kern="1200" dirty="0">
+                <a:solidFill>
+                  <a:prstClr val="black"/>
+                </a:solidFill>
+                <a:latin typeface="Consolas" panose="020B0609020204030204" pitchFamily="49" charset="0"/>
+                <a:ea typeface="Arial Unicode MS" panose="020B0604020202020204" pitchFamily="34" charset="-128"/>
+                <a:cs typeface="Consolas" panose="020B0609020204030204" pitchFamily="49" charset="0"/>
+              </a:rPr>
+              <a:t>  if (!inherits(</a:t>
+            </a:r>
+            <a:r>
+              <a:rPr lang="en-US" sz="1200" kern="1200" dirty="0" err="1">
+                <a:solidFill>
+                  <a:prstClr val="black"/>
+                </a:solidFill>
+                <a:latin typeface="Consolas" panose="020B0609020204030204" pitchFamily="49" charset="0"/>
+                <a:ea typeface="Arial Unicode MS" panose="020B0604020202020204" pitchFamily="34" charset="-128"/>
+                <a:cs typeface="Consolas" panose="020B0609020204030204" pitchFamily="49" charset="0"/>
+              </a:rPr>
+              <a:t>try_error</a:t>
+            </a:r>
+            <a:r>
+              <a:rPr lang="en-US" sz="1200" kern="1200" dirty="0">
+                <a:solidFill>
+                  <a:prstClr val="black"/>
+                </a:solidFill>
+                <a:latin typeface="Consolas" panose="020B0609020204030204" pitchFamily="49" charset="0"/>
+                <a:ea typeface="Arial Unicode MS" panose="020B0604020202020204" pitchFamily="34" charset="-128"/>
+                <a:cs typeface="Consolas" panose="020B0609020204030204" pitchFamily="49" charset="0"/>
+              </a:rPr>
+              <a:t>, 'error'))</a:t>
+            </a:r>
+          </a:p>
+          <a:p>
+            <a:pPr defTabSz="457200"/>
+            <a:r>
+              <a:rPr lang="en-US" sz="1200" kern="1200" dirty="0">
+                <a:solidFill>
+                  <a:prstClr val="black"/>
+                </a:solidFill>
+                <a:latin typeface="Consolas" panose="020B0609020204030204" pitchFamily="49" charset="0"/>
+                <a:ea typeface="Arial Unicode MS" panose="020B0604020202020204" pitchFamily="34" charset="-128"/>
+                <a:cs typeface="Consolas" panose="020B0609020204030204" pitchFamily="49" charset="0"/>
+              </a:rPr>
+              <a:t>    y = </a:t>
+            </a:r>
+            <a:r>
+              <a:rPr lang="en-US" sz="1200" kern="1200" dirty="0" err="1">
+                <a:solidFill>
+                  <a:prstClr val="black"/>
+                </a:solidFill>
+                <a:latin typeface="Consolas" panose="020B0609020204030204" pitchFamily="49" charset="0"/>
+                <a:ea typeface="Arial Unicode MS" panose="020B0604020202020204" pitchFamily="34" charset="-128"/>
+                <a:cs typeface="Consolas" panose="020B0609020204030204" pitchFamily="49" charset="0"/>
+              </a:rPr>
+              <a:t>tolower</a:t>
+            </a:r>
+            <a:r>
+              <a:rPr lang="en-US" sz="1200" kern="1200" dirty="0">
+                <a:solidFill>
+                  <a:prstClr val="black"/>
+                </a:solidFill>
+                <a:latin typeface="Consolas" panose="020B0609020204030204" pitchFamily="49" charset="0"/>
+                <a:ea typeface="Arial Unicode MS" panose="020B0604020202020204" pitchFamily="34" charset="-128"/>
+                <a:cs typeface="Consolas" panose="020B0609020204030204" pitchFamily="49" charset="0"/>
+              </a:rPr>
+              <a:t>(x)</a:t>
+            </a:r>
+          </a:p>
+          <a:p>
+            <a:pPr defTabSz="457200"/>
+            <a:r>
+              <a:rPr lang="en-US" sz="1200" kern="1200" dirty="0">
+                <a:solidFill>
+                  <a:prstClr val="black"/>
+                </a:solidFill>
+                <a:latin typeface="Consolas" panose="020B0609020204030204" pitchFamily="49" charset="0"/>
+                <a:ea typeface="Arial Unicode MS" panose="020B0604020202020204" pitchFamily="34" charset="-128"/>
+                <a:cs typeface="Consolas" panose="020B0609020204030204" pitchFamily="49" charset="0"/>
+              </a:rPr>
+              <a:t>  return(y)}</a:t>
+            </a:r>
+          </a:p>
+        </p:txBody>
+      </p:sp>
       <p:sp>
         <p:nvSpPr>
           <p:cNvPr id="7" name="TextBox 6"/>
@@ -29359,18 +28901,18 @@
         </p:nvSpPr>
         <p:spPr>
           <a:xfrm>
-            <a:off x="598169" y="1196565"/>
-            <a:ext cx="2210862" cy="369332"/>
+            <a:off x="414174" y="1245053"/>
+            <a:ext cx="8304157" cy="369332"/>
           </a:xfrm>
           <a:prstGeom prst="rect">
             <a:avLst/>
           </a:prstGeom>
           <a:solidFill>
-            <a:schemeClr val="accent1"/>
+            <a:schemeClr val="tx2"/>
           </a:solidFill>
         </p:spPr>
         <p:txBody>
-          <a:bodyPr wrap="none" rtlCol="0">
+          <a:bodyPr wrap="square" rtlCol="0">
             <a:spAutoFit/>
           </a:bodyPr>
           <a:lstStyle/>
@@ -29381,124 +28923,47 @@
                 <a:solidFill>
                   <a:schemeClr val="bg1"/>
                 </a:solidFill>
-                <a:latin typeface="Consolas" panose="020B0609020204030204" pitchFamily="49" charset="0"/>
+                <a:latin typeface="+mj-lt"/>
                 <a:ea typeface="Arial Unicode MS" panose="020B0604020202020204" pitchFamily="34" charset="-128"/>
-                <a:cs typeface="Consolas" panose="020B0609020204030204" pitchFamily="49" charset="0"/>
+                <a:cs typeface="Arial Unicode MS" panose="020B0604020202020204" pitchFamily="34" charset="-128"/>
               </a:rPr>
-              <a:t>library(lexicon)</a:t>
+              <a:t>“</a:t>
+            </a:r>
+            <a:r>
+              <a:rPr lang="en-US" sz="1800" kern="1200" dirty="0" err="1">
+                <a:solidFill>
+                  <a:schemeClr val="bg1"/>
+                </a:solidFill>
+                <a:latin typeface="+mj-lt"/>
+                <a:ea typeface="Arial Unicode MS" panose="020B0604020202020204" pitchFamily="34" charset="-128"/>
+                <a:cs typeface="Arial Unicode MS" panose="020B0604020202020204" pitchFamily="34" charset="-128"/>
+              </a:rPr>
+              <a:t>tryTolower</a:t>
+            </a:r>
+            <a:r>
+              <a:rPr lang="en-US" sz="1800" kern="1200" dirty="0">
+                <a:solidFill>
+                  <a:schemeClr val="bg1"/>
+                </a:solidFill>
+                <a:latin typeface="+mj-lt"/>
+                <a:ea typeface="Arial Unicode MS" panose="020B0604020202020204" pitchFamily="34" charset="-128"/>
+                <a:cs typeface="Arial Unicode MS" panose="020B0604020202020204" pitchFamily="34" charset="-128"/>
+              </a:rPr>
+              <a:t>” is poached to account for errors when making lowercase. </a:t>
             </a:r>
           </a:p>
         </p:txBody>
       </p:sp>
       <p:sp>
         <p:nvSpPr>
-          <p:cNvPr id="8" name="Rounded Rectangle 7"/>
+          <p:cNvPr id="12" name="Rectangle 11"/>
           <p:cNvSpPr/>
           <p:nvPr/>
         </p:nvSpPr>
         <p:spPr>
           <a:xfrm>
-            <a:off x="4551044" y="1399680"/>
-            <a:ext cx="4084320" cy="3072295"/>
-          </a:xfrm>
-          <a:prstGeom prst="roundRect">
-            <a:avLst>
-              <a:gd name="adj" fmla="val 10000"/>
-            </a:avLst>
-          </a:prstGeom>
-          <a:solidFill>
-            <a:schemeClr val="accent5"/>
-          </a:solidFill>
-          <a:effectLst/>
-        </p:spPr>
-        <p:style>
-          <a:lnRef idx="0">
-            <a:schemeClr val="lt1">
-              <a:hueOff val="0"/>
-              <a:satOff val="0"/>
-              <a:lumOff val="0"/>
-              <a:alphaOff val="0"/>
-            </a:schemeClr>
-          </a:lnRef>
-          <a:fillRef idx="3">
-            <a:scrgbClr r="0" g="0" b="0"/>
-          </a:fillRef>
-          <a:effectRef idx="2">
-            <a:scrgbClr r="0" g="0" b="0"/>
-          </a:effectRef>
-          <a:fontRef idx="minor">
-            <a:schemeClr val="lt1"/>
-          </a:fontRef>
-        </p:style>
-        <p:txBody>
-          <a:bodyPr/>
-          <a:lstStyle/>
-          <a:p>
-            <a:r>
-              <a:rPr lang="en-US" dirty="0" err="1"/>
-              <a:t>Qdap’s</a:t>
-            </a:r>
-            <a:r>
-              <a:rPr lang="en-US" dirty="0"/>
-              <a:t> </a:t>
-            </a:r>
-            <a:r>
-              <a:rPr lang="en-US" dirty="0" err="1"/>
-              <a:t>mgsub</a:t>
-            </a:r>
-            <a:r>
-              <a:rPr lang="en-US" dirty="0"/>
-              <a:t> function can help you lemmatize words.  </a:t>
-            </a:r>
-          </a:p>
-          <a:p>
-            <a:pPr marL="342900" indent="-342900">
-              <a:buAutoNum type="arabicPeriod"/>
-            </a:pPr>
-            <a:r>
-              <a:rPr lang="en-US" dirty="0"/>
-              <a:t>Bring in a lemmatization lexicon.</a:t>
-            </a:r>
-          </a:p>
-          <a:p>
-            <a:pPr marL="342900" indent="-342900">
-              <a:buAutoNum type="arabicPeriod"/>
-            </a:pPr>
-            <a:r>
-              <a:rPr lang="en-US" dirty="0"/>
-              <a:t>Supply a vector of patterns to search for</a:t>
-            </a:r>
-          </a:p>
-          <a:p>
-            <a:pPr marL="342900" indent="-342900">
-              <a:buAutoNum type="arabicPeriod"/>
-            </a:pPr>
-            <a:r>
-              <a:rPr lang="en-US" dirty="0"/>
-              <a:t>Supply a vector of patters to replace or change into.</a:t>
-            </a:r>
-          </a:p>
-          <a:p>
-            <a:pPr marL="342900" indent="-342900">
-              <a:buAutoNum type="arabicPeriod"/>
-            </a:pPr>
-            <a:r>
-              <a:rPr lang="en-US" dirty="0"/>
-              <a:t>Specify the vector the lexicon and substitutions should be applied to.</a:t>
-            </a:r>
-          </a:p>
-        </p:txBody>
-      </p:sp>
-      <p:sp>
-        <p:nvSpPr>
-          <p:cNvPr id="9" name="Rectangle 8"/>
-          <p:cNvSpPr/>
-          <p:nvPr/>
-        </p:nvSpPr>
-        <p:spPr>
-          <a:xfrm>
-            <a:off x="396240" y="4845621"/>
-            <a:ext cx="8351520" cy="1169551"/>
+            <a:off x="396240" y="5050572"/>
+            <a:ext cx="8351520" cy="923330"/>
           </a:xfrm>
           <a:prstGeom prst="rect">
             <a:avLst/>
@@ -29515,273 +28980,216 @@
           <a:p>
             <a:pPr defTabSz="457200"/>
             <a:r>
-              <a:rPr lang="en-US" sz="1400" kern="1200" dirty="0">
-                <a:solidFill>
-                  <a:schemeClr val="bg1"/>
+              <a:rPr lang="en-US" dirty="0">
+                <a:solidFill>
+                  <a:prstClr val="white"/>
+                </a:solidFill>
+                <a:latin typeface="Arial Unicode MS" panose="020B0604020202020204" pitchFamily="34" charset="-128"/>
+                <a:ea typeface="Arial Unicode MS" panose="020B0604020202020204" pitchFamily="34" charset="-128"/>
+                <a:cs typeface="Arial Unicode MS" panose="020B0604020202020204" pitchFamily="34" charset="-128"/>
+              </a:rPr>
+              <a:t>Base: </a:t>
+            </a:r>
+            <a:r>
+              <a:rPr lang="en-US" dirty="0" err="1">
+                <a:solidFill>
+                  <a:prstClr val="white"/>
                 </a:solidFill>
                 <a:latin typeface="Consolas" panose="020B0609020204030204" pitchFamily="49" charset="0"/>
                 <a:ea typeface="Arial Unicode MS" panose="020B0604020202020204" pitchFamily="34" charset="-128"/>
                 <a:cs typeface="Consolas" panose="020B0609020204030204" pitchFamily="49" charset="0"/>
               </a:rPr>
-              <a:t># Poor Man's Lemmatization</a:t>
+              <a:t>tolower</a:t>
+            </a:r>
+            <a:r>
+              <a:rPr lang="en-US" dirty="0">
+                <a:solidFill>
+                  <a:prstClr val="white"/>
+                </a:solidFill>
+                <a:latin typeface="Arial Unicode MS" panose="020B0604020202020204" pitchFamily="34" charset="-128"/>
+                <a:ea typeface="Arial Unicode MS" panose="020B0604020202020204" pitchFamily="34" charset="-128"/>
+                <a:cs typeface="Arial Unicode MS" panose="020B0604020202020204" pitchFamily="34" charset="-128"/>
+              </a:rPr>
+              <a:t> (basic) – fails if not utf-8</a:t>
             </a:r>
           </a:p>
           <a:p>
             <a:pPr defTabSz="457200"/>
             <a:r>
-              <a:rPr lang="en-US" sz="1400" dirty="0">
-                <a:solidFill>
-                  <a:schemeClr val="bg1"/>
+              <a:rPr lang="en-US" dirty="0" err="1">
+                <a:solidFill>
+                  <a:prstClr val="white"/>
+                </a:solidFill>
+                <a:latin typeface="Arial Unicode MS" panose="020B0604020202020204" pitchFamily="34" charset="-128"/>
+                <a:ea typeface="Arial Unicode MS" panose="020B0604020202020204" pitchFamily="34" charset="-128"/>
+                <a:cs typeface="Arial Unicode MS" panose="020B0604020202020204" pitchFamily="34" charset="-128"/>
+              </a:rPr>
+              <a:t>Stringr</a:t>
+            </a:r>
+            <a:r>
+              <a:rPr lang="en-US" dirty="0">
+                <a:solidFill>
+                  <a:prstClr val="white"/>
+                </a:solidFill>
+                <a:latin typeface="Arial Unicode MS" panose="020B0604020202020204" pitchFamily="34" charset="-128"/>
+                <a:ea typeface="Arial Unicode MS" panose="020B0604020202020204" pitchFamily="34" charset="-128"/>
+                <a:cs typeface="Arial Unicode MS" panose="020B0604020202020204" pitchFamily="34" charset="-128"/>
+              </a:rPr>
+              <a:t>: </a:t>
+            </a:r>
+            <a:r>
+              <a:rPr lang="en-US" dirty="0" err="1">
+                <a:solidFill>
+                  <a:prstClr val="white"/>
                 </a:solidFill>
                 <a:latin typeface="Consolas" panose="020B0609020204030204" pitchFamily="49" charset="0"/>
                 <a:ea typeface="Arial Unicode MS" panose="020B0604020202020204" pitchFamily="34" charset="-128"/>
                 <a:cs typeface="Consolas" panose="020B0609020204030204" pitchFamily="49" charset="0"/>
               </a:rPr>
-              <a:t>library(lexicon)</a:t>
+              <a:t>str_to_lower</a:t>
+            </a:r>
+            <a:r>
+              <a:rPr lang="en-US" dirty="0">
+                <a:solidFill>
+                  <a:prstClr val="white"/>
+                </a:solidFill>
+                <a:latin typeface="Arial Unicode MS" panose="020B0604020202020204" pitchFamily="34" charset="-128"/>
+                <a:ea typeface="Arial Unicode MS" panose="020B0604020202020204" pitchFamily="34" charset="-128"/>
+                <a:cs typeface="Arial Unicode MS" panose="020B0604020202020204" pitchFamily="34" charset="-128"/>
+              </a:rPr>
+              <a:t> (wrapper) – fails if not utf-8</a:t>
             </a:r>
           </a:p>
           <a:p>
             <a:pPr defTabSz="457200"/>
             <a:r>
-              <a:rPr lang="en-US" sz="1400" kern="1200" dirty="0">
-                <a:solidFill>
-                  <a:schemeClr val="bg1"/>
+              <a:rPr lang="en-US" dirty="0">
+                <a:solidFill>
+                  <a:prstClr val="white"/>
+                </a:solidFill>
+                <a:latin typeface="Arial Unicode MS" panose="020B0604020202020204" pitchFamily="34" charset="-128"/>
+                <a:ea typeface="Arial Unicode MS" panose="020B0604020202020204" pitchFamily="34" charset="-128"/>
+                <a:cs typeface="Arial Unicode MS" panose="020B0604020202020204" pitchFamily="34" charset="-128"/>
+              </a:rPr>
+              <a:t>Custom: </a:t>
+            </a:r>
+            <a:r>
+              <a:rPr lang="en-US" dirty="0" err="1">
+                <a:solidFill>
+                  <a:prstClr val="white"/>
                 </a:solidFill>
                 <a:latin typeface="Consolas" panose="020B0609020204030204" pitchFamily="49" charset="0"/>
                 <a:ea typeface="Arial Unicode MS" panose="020B0604020202020204" pitchFamily="34" charset="-128"/>
                 <a:cs typeface="Consolas" panose="020B0609020204030204" pitchFamily="49" charset="0"/>
               </a:rPr>
-              <a:t>library(</a:t>
-            </a:r>
-            <a:r>
-              <a:rPr lang="en-US" sz="1400" kern="1200" dirty="0" err="1">
-                <a:solidFill>
-                  <a:schemeClr val="bg1"/>
-                </a:solidFill>
-                <a:latin typeface="Consolas" panose="020B0609020204030204" pitchFamily="49" charset="0"/>
-                <a:ea typeface="Arial Unicode MS" panose="020B0604020202020204" pitchFamily="34" charset="-128"/>
-                <a:cs typeface="Consolas" panose="020B0609020204030204" pitchFamily="49" charset="0"/>
-              </a:rPr>
-              <a:t>qdap</a:t>
-            </a:r>
-            <a:r>
-              <a:rPr lang="en-US" sz="1400" kern="1200" dirty="0">
-                <a:solidFill>
-                  <a:schemeClr val="bg1"/>
-                </a:solidFill>
-                <a:latin typeface="Consolas" panose="020B0609020204030204" pitchFamily="49" charset="0"/>
-                <a:ea typeface="Arial Unicode MS" panose="020B0604020202020204" pitchFamily="34" charset="-128"/>
-                <a:cs typeface="Consolas" panose="020B0609020204030204" pitchFamily="49" charset="0"/>
-              </a:rPr>
-              <a:t>)</a:t>
-            </a:r>
-          </a:p>
-          <a:p>
-            <a:pPr defTabSz="457200"/>
-            <a:r>
-              <a:rPr lang="en-US" sz="1400" kern="1200" dirty="0">
-                <a:solidFill>
-                  <a:schemeClr val="bg1"/>
-                </a:solidFill>
-                <a:latin typeface="Consolas" panose="020B0609020204030204" pitchFamily="49" charset="0"/>
-                <a:ea typeface="Arial Unicode MS" panose="020B0604020202020204" pitchFamily="34" charset="-128"/>
-                <a:cs typeface="Consolas" panose="020B0609020204030204" pitchFamily="49" charset="0"/>
-              </a:rPr>
-              <a:t>data(</a:t>
-            </a:r>
-            <a:r>
-              <a:rPr lang="en-US" sz="1400" kern="1200" dirty="0" err="1">
-                <a:solidFill>
-                  <a:schemeClr val="bg1"/>
-                </a:solidFill>
-                <a:latin typeface="Consolas" panose="020B0609020204030204" pitchFamily="49" charset="0"/>
-                <a:ea typeface="Arial Unicode MS" panose="020B0604020202020204" pitchFamily="34" charset="-128"/>
-                <a:cs typeface="Consolas" panose="020B0609020204030204" pitchFamily="49" charset="0"/>
-              </a:rPr>
-              <a:t>hash_lemmas</a:t>
-            </a:r>
-            <a:r>
-              <a:rPr lang="en-US" sz="1400" kern="1200" dirty="0">
-                <a:solidFill>
-                  <a:schemeClr val="bg1"/>
-                </a:solidFill>
-                <a:latin typeface="Consolas" panose="020B0609020204030204" pitchFamily="49" charset="0"/>
-                <a:ea typeface="Arial Unicode MS" panose="020B0604020202020204" pitchFamily="34" charset="-128"/>
-                <a:cs typeface="Consolas" panose="020B0609020204030204" pitchFamily="49" charset="0"/>
-              </a:rPr>
-              <a:t>)</a:t>
-            </a:r>
-          </a:p>
-          <a:p>
-            <a:pPr defTabSz="457200"/>
-            <a:r>
-              <a:rPr lang="en-US" sz="1400" kern="1200" dirty="0" err="1">
-                <a:solidFill>
-                  <a:schemeClr val="bg1"/>
-                </a:solidFill>
-                <a:latin typeface="Consolas" panose="020B0609020204030204" pitchFamily="49" charset="0"/>
-                <a:ea typeface="Arial Unicode MS" panose="020B0604020202020204" pitchFamily="34" charset="-128"/>
-                <a:cs typeface="Consolas" panose="020B0609020204030204" pitchFamily="49" charset="0"/>
-              </a:rPr>
-              <a:t>text$text</a:t>
-            </a:r>
-            <a:r>
-              <a:rPr lang="en-US" sz="1400" kern="1200" dirty="0">
-                <a:solidFill>
-                  <a:schemeClr val="bg1"/>
-                </a:solidFill>
-                <a:latin typeface="Consolas" panose="020B0609020204030204" pitchFamily="49" charset="0"/>
-                <a:ea typeface="Arial Unicode MS" panose="020B0604020202020204" pitchFamily="34" charset="-128"/>
-                <a:cs typeface="Consolas" panose="020B0609020204030204" pitchFamily="49" charset="0"/>
-              </a:rPr>
-              <a:t> &lt;- </a:t>
-            </a:r>
-            <a:r>
-              <a:rPr lang="en-US" sz="1400" kern="1200" dirty="0" err="1">
-                <a:solidFill>
-                  <a:schemeClr val="bg1"/>
-                </a:solidFill>
-                <a:latin typeface="Consolas" panose="020B0609020204030204" pitchFamily="49" charset="0"/>
-                <a:ea typeface="Arial Unicode MS" panose="020B0604020202020204" pitchFamily="34" charset="-128"/>
-                <a:cs typeface="Consolas" panose="020B0609020204030204" pitchFamily="49" charset="0"/>
-              </a:rPr>
-              <a:t>mgsub</a:t>
-            </a:r>
-            <a:r>
-              <a:rPr lang="en-US" sz="1400" kern="1200" dirty="0">
-                <a:solidFill>
-                  <a:schemeClr val="bg1"/>
-                </a:solidFill>
-                <a:latin typeface="Consolas" panose="020B0609020204030204" pitchFamily="49" charset="0"/>
-                <a:ea typeface="Arial Unicode MS" panose="020B0604020202020204" pitchFamily="34" charset="-128"/>
-                <a:cs typeface="Consolas" panose="020B0609020204030204" pitchFamily="49" charset="0"/>
-              </a:rPr>
-              <a:t>(</a:t>
-            </a:r>
-            <a:r>
-              <a:rPr lang="en-US" sz="1400" kern="1200" dirty="0" err="1">
-                <a:solidFill>
-                  <a:schemeClr val="bg1"/>
-                </a:solidFill>
-                <a:latin typeface="Consolas" panose="020B0609020204030204" pitchFamily="49" charset="0"/>
-                <a:ea typeface="Arial Unicode MS" panose="020B0604020202020204" pitchFamily="34" charset="-128"/>
-                <a:cs typeface="Consolas" panose="020B0609020204030204" pitchFamily="49" charset="0"/>
-              </a:rPr>
-              <a:t>hash_lemmas$token,hash_lemmas$lemma,text$text</a:t>
-            </a:r>
-            <a:r>
-              <a:rPr lang="en-US" sz="1400" kern="1200" dirty="0">
-                <a:solidFill>
-                  <a:schemeClr val="bg1"/>
-                </a:solidFill>
-                <a:latin typeface="Consolas" panose="020B0609020204030204" pitchFamily="49" charset="0"/>
-                <a:ea typeface="Arial Unicode MS" panose="020B0604020202020204" pitchFamily="34" charset="-128"/>
-                <a:cs typeface="Consolas" panose="020B0609020204030204" pitchFamily="49" charset="0"/>
-              </a:rPr>
-              <a:t>)</a:t>
-            </a:r>
-          </a:p>
-        </p:txBody>
-      </p:sp>
-      <p:sp>
-        <p:nvSpPr>
-          <p:cNvPr id="10" name="Rectangle 9"/>
-          <p:cNvSpPr/>
-          <p:nvPr/>
-        </p:nvSpPr>
-        <p:spPr>
-          <a:xfrm>
-            <a:off x="4300537" y="6006197"/>
-            <a:ext cx="4714876" cy="307777"/>
-          </a:xfrm>
-          <a:prstGeom prst="rect">
-            <a:avLst/>
-          </a:prstGeom>
-        </p:spPr>
-        <p:txBody>
-          <a:bodyPr wrap="square">
-            <a:spAutoFit/>
-          </a:bodyPr>
-          <a:lstStyle/>
-          <a:p>
-            <a:pPr defTabSz="457200"/>
-            <a:r>
-              <a:rPr lang="en-US" sz="1400" i="1" dirty="0">
-                <a:solidFill>
-                  <a:srgbClr val="FF0000"/>
+              <a:t>tryTolower</a:t>
+            </a:r>
+            <a:r>
+              <a:rPr lang="en-US" dirty="0">
+                <a:solidFill>
+                  <a:prstClr val="white"/>
                 </a:solidFill>
                 <a:latin typeface="Arial Unicode MS" panose="020B0604020202020204" pitchFamily="34" charset="-128"/>
                 <a:ea typeface="Arial Unicode MS" panose="020B0604020202020204" pitchFamily="34" charset="-128"/>
                 <a:cs typeface="Arial Unicode MS" panose="020B0604020202020204" pitchFamily="34" charset="-128"/>
               </a:rPr>
-              <a:t>Warning,: Not done in class because it takes a long time.</a:t>
+              <a:t> (handles errors) – fault tolerant!</a:t>
             </a:r>
           </a:p>
         </p:txBody>
       </p:sp>
-      <p:sp>
-        <p:nvSpPr>
-          <p:cNvPr id="5" name="Rectangle 4">
+      <p:cxnSp>
+        <p:nvCxnSpPr>
+          <p:cNvPr id="9" name="Straight Connector 8">
             <a:extLst>
               <a:ext uri="{FF2B5EF4-FFF2-40B4-BE49-F238E27FC236}">
-                <a16:creationId xmlns:a16="http://schemas.microsoft.com/office/drawing/2014/main" id="{3094F116-A918-5F45-8EEE-01C3B65DFB63}"/>
+                <a16:creationId xmlns:a16="http://schemas.microsoft.com/office/drawing/2014/main" id="{D585887A-F600-104E-9C8B-AB2FDD141384}"/>
               </a:ext>
             </a:extLst>
           </p:cNvPr>
-          <p:cNvSpPr/>
+          <p:cNvCxnSpPr/>
           <p:nvPr/>
-        </p:nvSpPr>
+        </p:nvCxnSpPr>
         <p:spPr>
-          <a:xfrm rot="19431659">
-            <a:off x="2014331" y="2796208"/>
-            <a:ext cx="5102087" cy="1351722"/>
+          <a:xfrm>
+            <a:off x="6798363" y="6549885"/>
+            <a:ext cx="0" cy="182880"/>
           </a:xfrm>
-          <a:prstGeom prst="rect">
+          <a:prstGeom prst="line">
             <a:avLst/>
           </a:prstGeom>
+          <a:ln>
+            <a:solidFill>
+              <a:schemeClr val="bg1">
+                <a:lumMod val="85000"/>
+              </a:schemeClr>
+            </a:solidFill>
+          </a:ln>
         </p:spPr>
         <p:style>
-          <a:lnRef idx="2">
-            <a:schemeClr val="accent1">
-              <a:shade val="50000"/>
-            </a:schemeClr>
+          <a:lnRef idx="1">
+            <a:schemeClr val="accent1"/>
           </a:lnRef>
-          <a:fillRef idx="1">
+          <a:fillRef idx="0">
             <a:schemeClr val="accent1"/>
           </a:fillRef>
           <a:effectRef idx="0">
             <a:schemeClr val="accent1"/>
           </a:effectRef>
           <a:fontRef idx="minor">
-            <a:schemeClr val="lt1"/>
+            <a:schemeClr val="tx1"/>
           </a:fontRef>
         </p:style>
-        <p:txBody>
-          <a:bodyPr rtlCol="0" anchor="ctr"/>
-          <a:lstStyle/>
-          <a:p>
-            <a:pPr algn="ctr"/>
-            <a:r>
-              <a:rPr lang="en-US" dirty="0"/>
-              <a:t>This is a standard lexicon, but library(</a:t>
-            </a:r>
-            <a:r>
-              <a:rPr lang="en-US" dirty="0" err="1"/>
-              <a:t>Udpipe</a:t>
-            </a:r>
-            <a:r>
-              <a:rPr lang="en-US" dirty="0"/>
-              <a:t>) has a better implementation</a:t>
-            </a:r>
-          </a:p>
-        </p:txBody>
-      </p:sp>
+      </p:cxnSp>
+      <p:cxnSp>
+        <p:nvCxnSpPr>
+          <p:cNvPr id="10" name="Straight Connector 9">
+            <a:extLst>
+              <a:ext uri="{FF2B5EF4-FFF2-40B4-BE49-F238E27FC236}">
+                <a16:creationId xmlns:a16="http://schemas.microsoft.com/office/drawing/2014/main" id="{30937578-F52C-3F41-9976-2ACAC71EA46B}"/>
+              </a:ext>
+            </a:extLst>
+          </p:cNvPr>
+          <p:cNvCxnSpPr/>
+          <p:nvPr/>
+        </p:nvCxnSpPr>
+        <p:spPr>
+          <a:xfrm>
+            <a:off x="7076661" y="4664763"/>
+            <a:ext cx="182880" cy="0"/>
+          </a:xfrm>
+          <a:prstGeom prst="line">
+            <a:avLst/>
+          </a:prstGeom>
+          <a:ln>
+            <a:solidFill>
+              <a:schemeClr val="bg1">
+                <a:lumMod val="85000"/>
+              </a:schemeClr>
+            </a:solidFill>
+          </a:ln>
+        </p:spPr>
+        <p:style>
+          <a:lnRef idx="1">
+            <a:schemeClr val="accent1"/>
+          </a:lnRef>
+          <a:fillRef idx="0">
+            <a:schemeClr val="accent1"/>
+          </a:fillRef>
+          <a:effectRef idx="0">
+            <a:schemeClr val="accent1"/>
+          </a:effectRef>
+          <a:fontRef idx="minor">
+            <a:schemeClr val="tx1"/>
+          </a:fontRef>
+        </p:style>
+      </p:cxnSp>
       <p:sp>
         <p:nvSpPr>
-          <p:cNvPr id="13" name="Footer Placeholder 4">
+          <p:cNvPr id="14" name="Footer Placeholder 4">
             <a:extLst>
               <a:ext uri="{FF2B5EF4-FFF2-40B4-BE49-F238E27FC236}">
-                <a16:creationId xmlns:a16="http://schemas.microsoft.com/office/drawing/2014/main" id="{4DCB50A7-D452-E24E-BB0B-F20750F092C8}"/>
+                <a16:creationId xmlns:a16="http://schemas.microsoft.com/office/drawing/2014/main" id="{3A1931E4-F9DE-7844-9133-0A17398D6941}"/>
               </a:ext>
             </a:extLst>
           </p:cNvPr>
@@ -29813,91 +29221,13 @@
     </p:spTree>
     <p:extLst>
       <p:ext uri="{BB962C8B-B14F-4D97-AF65-F5344CB8AC3E}">
-        <p14:creationId xmlns:p14="http://schemas.microsoft.com/office/powerpoint/2010/main" val="2806568105"/>
+        <p14:creationId xmlns:p14="http://schemas.microsoft.com/office/powerpoint/2010/main" val="3465958743"/>
       </p:ext>
     </p:extLst>
   </p:cSld>
   <p:clrMapOvr>
     <a:masterClrMapping/>
   </p:clrMapOvr>
-  <p:timing>
-    <p:tnLst>
-      <p:par>
-        <p:cTn id="1" dur="indefinite" restart="never" nodeType="tmRoot">
-          <p:childTnLst>
-            <p:seq concurrent="1" nextAc="seek">
-              <p:cTn id="2" dur="indefinite" nodeType="mainSeq">
-                <p:childTnLst>
-                  <p:par>
-                    <p:cTn id="3" fill="hold">
-                      <p:stCondLst>
-                        <p:cond delay="indefinite"/>
-                      </p:stCondLst>
-                      <p:childTnLst>
-                        <p:par>
-                          <p:cTn id="4" fill="hold">
-                            <p:stCondLst>
-                              <p:cond delay="0"/>
-                            </p:stCondLst>
-                            <p:childTnLst>
-                              <p:par>
-                                <p:cTn id="5" presetID="1" presetClass="entr" presetSubtype="0" fill="hold" grpId="0" nodeType="clickEffect">
-                                  <p:stCondLst>
-                                    <p:cond delay="0"/>
-                                  </p:stCondLst>
-                                  <p:childTnLst>
-                                    <p:set>
-                                      <p:cBhvr>
-                                        <p:cTn id="6" dur="1" fill="hold">
-                                          <p:stCondLst>
-                                            <p:cond delay="0"/>
-                                          </p:stCondLst>
-                                        </p:cTn>
-                                        <p:tgtEl>
-                                          <p:spTgt spid="5"/>
-                                        </p:tgtEl>
-                                        <p:attrNameLst>
-                                          <p:attrName>style.visibility</p:attrName>
-                                        </p:attrNameLst>
-                                      </p:cBhvr>
-                                      <p:to>
-                                        <p:strVal val="visible"/>
-                                      </p:to>
-                                    </p:set>
-                                  </p:childTnLst>
-                                </p:cTn>
-                              </p:par>
-                            </p:childTnLst>
-                          </p:cTn>
-                        </p:par>
-                      </p:childTnLst>
-                    </p:cTn>
-                  </p:par>
-                </p:childTnLst>
-              </p:cTn>
-              <p:prevCondLst>
-                <p:cond evt="onPrev" delay="0">
-                  <p:tgtEl>
-                    <p:sldTgt/>
-                  </p:tgtEl>
-                </p:cond>
-              </p:prevCondLst>
-              <p:nextCondLst>
-                <p:cond evt="onNext" delay="0">
-                  <p:tgtEl>
-                    <p:sldTgt/>
-                  </p:tgtEl>
-                </p:cond>
-              </p:nextCondLst>
-            </p:seq>
-          </p:childTnLst>
-        </p:cTn>
-      </p:par>
-    </p:tnLst>
-    <p:bldLst>
-      <p:bldP spid="5" grpId="0" animBg="1"/>
-    </p:bldLst>
-  </p:timing>
 </p:sld>
 </file>
 
